--- a/ProjectPresentation.pptx
+++ b/ProjectPresentation.pptx
@@ -1,38 +1,38 @@
 
 <file path=ppt/presentation.xml><?xml version="1.0" encoding="utf-8"?>
-<p:presentation xmlns:a="http://schemas.openxmlformats.org/drawingml/2006/main" xmlns:r="http://schemas.openxmlformats.org/officeDocument/2006/relationships" xmlns:p="http://schemas.openxmlformats.org/presentationml/2006/main" saveSubsetFonts="1" embedTrueTypeFonts="true">
+<p:presentation xmlns:a="http://schemas.openxmlformats.org/drawingml/2006/main" xmlns:r="http://schemas.openxmlformats.org/officeDocument/2006/relationships" xmlns:p="http://schemas.openxmlformats.org/presentationml/2006/main" embedTrueTypeFonts="1" saveSubsetFonts="1">
   <p:sldMasterIdLst>
     <p:sldMasterId id="2147483648" r:id="rId1"/>
   </p:sldMasterIdLst>
   <p:sldIdLst>
-    <p:sldId id="256" r:id="rId6"/>
-    <p:sldId id="257" r:id="rId7"/>
-    <p:sldId id="258" r:id="rId8"/>
-    <p:sldId id="259" r:id="rId9"/>
-    <p:sldId id="260" r:id="rId10"/>
-    <p:sldId id="261" r:id="rId11"/>
-    <p:sldId id="262" r:id="rId12"/>
-    <p:sldId id="263" r:id="rId13"/>
-    <p:sldId id="264" r:id="rId14"/>
+    <p:sldId id="256" r:id="rId2"/>
+    <p:sldId id="257" r:id="rId3"/>
+    <p:sldId id="258" r:id="rId4"/>
+    <p:sldId id="259" r:id="rId5"/>
+    <p:sldId id="260" r:id="rId6"/>
+    <p:sldId id="261" r:id="rId7"/>
+    <p:sldId id="262" r:id="rId8"/>
+    <p:sldId id="263" r:id="rId9"/>
+    <p:sldId id="264" r:id="rId10"/>
   </p:sldIdLst>
   <p:sldSz cx="18288000" cy="10287000"/>
   <p:notesSz cx="6858000" cy="9144000"/>
   <p:embeddedFontLst>
     <p:embeddedFont>
-      <p:font typeface="Bebas Neue Bold" charset="1" panose="020B0606020202050201"/>
-      <p:regular r:id="rId15"/>
+      <p:font typeface="Bebas Neue" panose="020F0502020204030204" pitchFamily="34" charset="0"/>
+      <p:regular r:id="rId11"/>
     </p:embeddedFont>
     <p:embeddedFont>
-      <p:font typeface="Proxima Nova" charset="1" panose="02000506030000020004"/>
-      <p:regular r:id="rId16"/>
+      <p:font typeface="Bebas Neue Bold" panose="020B0604020202020204" charset="0"/>
+      <p:regular r:id="rId12"/>
     </p:embeddedFont>
     <p:embeddedFont>
-      <p:font typeface="Bebas Neue" charset="1" panose="00000500000000000000"/>
-      <p:regular r:id="rId17"/>
+      <p:font typeface="Glacial Indifference" panose="020B0604020202020204" charset="0"/>
+      <p:regular r:id="rId13"/>
     </p:embeddedFont>
     <p:embeddedFont>
-      <p:font typeface="Glacial Indifference" charset="1" panose="00000000000000000000"/>
-      <p:regular r:id="rId18"/>
+      <p:font typeface="Proxima Nova" panose="020B0604020202020204" charset="0"/>
+      <p:regular r:id="rId14"/>
     </p:embeddedFont>
   </p:embeddedFontLst>
   <p:defaultTextStyle>
@@ -130,6 +130,22 @@
       </a:defRPr>
     </a:lvl9pPr>
   </p:defaultTextStyle>
+  <p:extLst>
+    <p:ext uri="{EFAFB233-063F-42B5-8137-9DF3F51BA10A}">
+      <p15:sldGuideLst xmlns:p15="http://schemas.microsoft.com/office/powerpoint/2012/main">
+        <p15:guide id="1" orient="horz" pos="2160">
+          <p15:clr>
+            <a:srgbClr val="A4A3A4"/>
+          </p15:clr>
+        </p15:guide>
+        <p15:guide id="2" pos="2880">
+          <p15:clr>
+            <a:srgbClr val="A4A3A4"/>
+          </p15:clr>
+        </p15:guide>
+      </p15:sldGuideLst>
+    </p:ext>
+  </p:extLst>
 </p:presentation>
 </file>
 
@@ -171,10 +187,9 @@
           <a:lstStyle/>
           <a:p>
             <a:r>
-              <a:rPr lang="en-US" smtClean="0"/>
+              <a:rPr lang="en-US"/>
               <a:t>Click to edit Master title style</a:t>
             </a:r>
-            <a:endParaRPr lang="en-US"/>
           </a:p>
         </p:txBody>
       </p:sp>
@@ -290,10 +305,9 @@
           </a:lstStyle>
           <a:p>
             <a:r>
-              <a:rPr lang="en-US" smtClean="0"/>
+              <a:rPr lang="en-US"/>
               <a:t>Click to edit Master subtitle style</a:t>
             </a:r>
-            <a:endParaRPr lang="en-US"/>
           </a:p>
         </p:txBody>
       </p:sp>
@@ -315,7 +329,7 @@
             <a:fld id="{1D8BD707-D9CF-40AE-B4C6-C98DA3205C09}" type="datetimeFigureOut">
               <a:rPr lang="en-US" smtClean="0"/>
               <a:pPr/>
-              <a:t>8/1/2011</a:t>
+              <a:t>9/17/2025</a:t>
             </a:fld>
             <a:endParaRPr lang="en-US"/>
           </a:p>
@@ -358,7 +372,7 @@
             <a:fld id="{B6F15528-21DE-4FAA-801E-634DDDAF4B2B}" type="slidenum">
               <a:rPr lang="en-US" smtClean="0"/>
               <a:pPr/>
-              <a:t>‹#›</a:t>
+              <a:t>‹Nº›</a:t>
             </a:fld>
             <a:endParaRPr lang="en-US"/>
           </a:p>
@@ -405,10 +419,9 @@
           <a:lstStyle/>
           <a:p>
             <a:r>
-              <a:rPr lang="en-US" smtClean="0"/>
+              <a:rPr lang="en-US"/>
               <a:t>Click to edit Master title style</a:t>
             </a:r>
-            <a:endParaRPr lang="en-US"/>
           </a:p>
         </p:txBody>
       </p:sp>
@@ -429,38 +442,37 @@
           <a:p>
             <a:pPr lvl="0"/>
             <a:r>
-              <a:rPr lang="en-US" smtClean="0"/>
+              <a:rPr lang="en-US"/>
               <a:t>Click to edit Master text styles</a:t>
             </a:r>
           </a:p>
           <a:p>
             <a:pPr lvl="1"/>
             <a:r>
-              <a:rPr lang="en-US" smtClean="0"/>
+              <a:rPr lang="en-US"/>
               <a:t>Second level</a:t>
             </a:r>
           </a:p>
           <a:p>
             <a:pPr lvl="2"/>
             <a:r>
-              <a:rPr lang="en-US" smtClean="0"/>
+              <a:rPr lang="en-US"/>
               <a:t>Third level</a:t>
             </a:r>
           </a:p>
           <a:p>
             <a:pPr lvl="3"/>
             <a:r>
-              <a:rPr lang="en-US" smtClean="0"/>
+              <a:rPr lang="en-US"/>
               <a:t>Fourth level</a:t>
             </a:r>
           </a:p>
           <a:p>
             <a:pPr lvl="4"/>
             <a:r>
-              <a:rPr lang="en-US" smtClean="0"/>
+              <a:rPr lang="en-US"/>
               <a:t>Fifth level</a:t>
             </a:r>
-            <a:endParaRPr lang="en-US"/>
           </a:p>
         </p:txBody>
       </p:sp>
@@ -482,7 +494,7 @@
             <a:fld id="{1D8BD707-D9CF-40AE-B4C6-C98DA3205C09}" type="datetimeFigureOut">
               <a:rPr lang="en-US" smtClean="0"/>
               <a:pPr/>
-              <a:t>8/1/2011</a:t>
+              <a:t>9/17/2025</a:t>
             </a:fld>
             <a:endParaRPr lang="en-US"/>
           </a:p>
@@ -525,7 +537,7 @@
             <a:fld id="{B6F15528-21DE-4FAA-801E-634DDDAF4B2B}" type="slidenum">
               <a:rPr lang="en-US" smtClean="0"/>
               <a:pPr/>
-              <a:t>‹#›</a:t>
+              <a:t>‹Nº›</a:t>
             </a:fld>
             <a:endParaRPr lang="en-US"/>
           </a:p>
@@ -577,10 +589,9 @@
           <a:lstStyle/>
           <a:p>
             <a:r>
-              <a:rPr lang="en-US" smtClean="0"/>
+              <a:rPr lang="en-US"/>
               <a:t>Click to edit Master title style</a:t>
             </a:r>
-            <a:endParaRPr lang="en-US"/>
           </a:p>
         </p:txBody>
       </p:sp>
@@ -606,38 +617,37 @@
           <a:p>
             <a:pPr lvl="0"/>
             <a:r>
-              <a:rPr lang="en-US" smtClean="0"/>
+              <a:rPr lang="en-US"/>
               <a:t>Click to edit Master text styles</a:t>
             </a:r>
           </a:p>
           <a:p>
             <a:pPr lvl="1"/>
             <a:r>
-              <a:rPr lang="en-US" smtClean="0"/>
+              <a:rPr lang="en-US"/>
               <a:t>Second level</a:t>
             </a:r>
           </a:p>
           <a:p>
             <a:pPr lvl="2"/>
             <a:r>
-              <a:rPr lang="en-US" smtClean="0"/>
+              <a:rPr lang="en-US"/>
               <a:t>Third level</a:t>
             </a:r>
           </a:p>
           <a:p>
             <a:pPr lvl="3"/>
             <a:r>
-              <a:rPr lang="en-US" smtClean="0"/>
+              <a:rPr lang="en-US"/>
               <a:t>Fourth level</a:t>
             </a:r>
           </a:p>
           <a:p>
             <a:pPr lvl="4"/>
             <a:r>
-              <a:rPr lang="en-US" smtClean="0"/>
+              <a:rPr lang="en-US"/>
               <a:t>Fifth level</a:t>
             </a:r>
-            <a:endParaRPr lang="en-US"/>
           </a:p>
         </p:txBody>
       </p:sp>
@@ -659,7 +669,7 @@
             <a:fld id="{1D8BD707-D9CF-40AE-B4C6-C98DA3205C09}" type="datetimeFigureOut">
               <a:rPr lang="en-US" smtClean="0"/>
               <a:pPr/>
-              <a:t>8/1/2011</a:t>
+              <a:t>9/17/2025</a:t>
             </a:fld>
             <a:endParaRPr lang="en-US"/>
           </a:p>
@@ -702,7 +712,7 @@
             <a:fld id="{B6F15528-21DE-4FAA-801E-634DDDAF4B2B}" type="slidenum">
               <a:rPr lang="en-US" smtClean="0"/>
               <a:pPr/>
-              <a:t>‹#›</a:t>
+              <a:t>‹Nº›</a:t>
             </a:fld>
             <a:endParaRPr lang="en-US"/>
           </a:p>
@@ -749,10 +759,9 @@
           <a:lstStyle/>
           <a:p>
             <a:r>
-              <a:rPr lang="en-US" smtClean="0"/>
+              <a:rPr lang="en-US"/>
               <a:t>Click to edit Master title style</a:t>
             </a:r>
-            <a:endParaRPr lang="en-US"/>
           </a:p>
         </p:txBody>
       </p:sp>
@@ -773,38 +782,37 @@
           <a:p>
             <a:pPr lvl="0"/>
             <a:r>
-              <a:rPr lang="en-US" smtClean="0"/>
+              <a:rPr lang="en-US"/>
               <a:t>Click to edit Master text styles</a:t>
             </a:r>
           </a:p>
           <a:p>
             <a:pPr lvl="1"/>
             <a:r>
-              <a:rPr lang="en-US" smtClean="0"/>
+              <a:rPr lang="en-US"/>
               <a:t>Second level</a:t>
             </a:r>
           </a:p>
           <a:p>
             <a:pPr lvl="2"/>
             <a:r>
-              <a:rPr lang="en-US" smtClean="0"/>
+              <a:rPr lang="en-US"/>
               <a:t>Third level</a:t>
             </a:r>
           </a:p>
           <a:p>
             <a:pPr lvl="3"/>
             <a:r>
-              <a:rPr lang="en-US" smtClean="0"/>
+              <a:rPr lang="en-US"/>
               <a:t>Fourth level</a:t>
             </a:r>
           </a:p>
           <a:p>
             <a:pPr lvl="4"/>
             <a:r>
-              <a:rPr lang="en-US" smtClean="0"/>
+              <a:rPr lang="en-US"/>
               <a:t>Fifth level</a:t>
             </a:r>
-            <a:endParaRPr lang="en-US"/>
           </a:p>
         </p:txBody>
       </p:sp>
@@ -826,7 +834,7 @@
             <a:fld id="{1D8BD707-D9CF-40AE-B4C6-C98DA3205C09}" type="datetimeFigureOut">
               <a:rPr lang="en-US" smtClean="0"/>
               <a:pPr/>
-              <a:t>8/1/2011</a:t>
+              <a:t>9/17/2025</a:t>
             </a:fld>
             <a:endParaRPr lang="en-US"/>
           </a:p>
@@ -869,7 +877,7 @@
             <a:fld id="{B6F15528-21DE-4FAA-801E-634DDDAF4B2B}" type="slidenum">
               <a:rPr lang="en-US" smtClean="0"/>
               <a:pPr/>
-              <a:t>‹#›</a:t>
+              <a:t>‹Nº›</a:t>
             </a:fld>
             <a:endParaRPr lang="en-US"/>
           </a:p>
@@ -925,10 +933,9 @@
           </a:lstStyle>
           <a:p>
             <a:r>
-              <a:rPr lang="en-US" smtClean="0"/>
+              <a:rPr lang="en-US"/>
               <a:t>Click to edit Master title style</a:t>
             </a:r>
-            <a:endParaRPr lang="en-US"/>
           </a:p>
         </p:txBody>
       </p:sp>
@@ -1045,7 +1052,7 @@
           <a:p>
             <a:pPr lvl="0"/>
             <a:r>
-              <a:rPr lang="en-US" smtClean="0"/>
+              <a:rPr lang="en-US"/>
               <a:t>Click to edit Master text styles</a:t>
             </a:r>
           </a:p>
@@ -1069,7 +1076,7 @@
             <a:fld id="{1D8BD707-D9CF-40AE-B4C6-C98DA3205C09}" type="datetimeFigureOut">
               <a:rPr lang="en-US" smtClean="0"/>
               <a:pPr/>
-              <a:t>8/1/2011</a:t>
+              <a:t>9/17/2025</a:t>
             </a:fld>
             <a:endParaRPr lang="en-US"/>
           </a:p>
@@ -1112,7 +1119,7 @@
             <a:fld id="{B6F15528-21DE-4FAA-801E-634DDDAF4B2B}" type="slidenum">
               <a:rPr lang="en-US" smtClean="0"/>
               <a:pPr/>
-              <a:t>‹#›</a:t>
+              <a:t>‹Nº›</a:t>
             </a:fld>
             <a:endParaRPr lang="en-US"/>
           </a:p>
@@ -1159,10 +1166,9 @@
           <a:lstStyle/>
           <a:p>
             <a:r>
-              <a:rPr lang="en-US" smtClean="0"/>
+              <a:rPr lang="en-US"/>
               <a:t>Click to edit Master title style</a:t>
             </a:r>
-            <a:endParaRPr lang="en-US"/>
           </a:p>
         </p:txBody>
       </p:sp>
@@ -1216,38 +1222,37 @@
           <a:p>
             <a:pPr lvl="0"/>
             <a:r>
-              <a:rPr lang="en-US" smtClean="0"/>
+              <a:rPr lang="en-US"/>
               <a:t>Click to edit Master text styles</a:t>
             </a:r>
           </a:p>
           <a:p>
             <a:pPr lvl="1"/>
             <a:r>
-              <a:rPr lang="en-US" smtClean="0"/>
+              <a:rPr lang="en-US"/>
               <a:t>Second level</a:t>
             </a:r>
           </a:p>
           <a:p>
             <a:pPr lvl="2"/>
             <a:r>
-              <a:rPr lang="en-US" smtClean="0"/>
+              <a:rPr lang="en-US"/>
               <a:t>Third level</a:t>
             </a:r>
           </a:p>
           <a:p>
             <a:pPr lvl="3"/>
             <a:r>
-              <a:rPr lang="en-US" smtClean="0"/>
+              <a:rPr lang="en-US"/>
               <a:t>Fourth level</a:t>
             </a:r>
           </a:p>
           <a:p>
             <a:pPr lvl="4"/>
             <a:r>
-              <a:rPr lang="en-US" smtClean="0"/>
+              <a:rPr lang="en-US"/>
               <a:t>Fifth level</a:t>
             </a:r>
-            <a:endParaRPr lang="en-US"/>
           </a:p>
         </p:txBody>
       </p:sp>
@@ -1301,38 +1306,37 @@
           <a:p>
             <a:pPr lvl="0"/>
             <a:r>
-              <a:rPr lang="en-US" smtClean="0"/>
+              <a:rPr lang="en-US"/>
               <a:t>Click to edit Master text styles</a:t>
             </a:r>
           </a:p>
           <a:p>
             <a:pPr lvl="1"/>
             <a:r>
-              <a:rPr lang="en-US" smtClean="0"/>
+              <a:rPr lang="en-US"/>
               <a:t>Second level</a:t>
             </a:r>
           </a:p>
           <a:p>
             <a:pPr lvl="2"/>
             <a:r>
-              <a:rPr lang="en-US" smtClean="0"/>
+              <a:rPr lang="en-US"/>
               <a:t>Third level</a:t>
             </a:r>
           </a:p>
           <a:p>
             <a:pPr lvl="3"/>
             <a:r>
-              <a:rPr lang="en-US" smtClean="0"/>
+              <a:rPr lang="en-US"/>
               <a:t>Fourth level</a:t>
             </a:r>
           </a:p>
           <a:p>
             <a:pPr lvl="4"/>
             <a:r>
-              <a:rPr lang="en-US" smtClean="0"/>
+              <a:rPr lang="en-US"/>
               <a:t>Fifth level</a:t>
             </a:r>
-            <a:endParaRPr lang="en-US"/>
           </a:p>
         </p:txBody>
       </p:sp>
@@ -1354,7 +1358,7 @@
             <a:fld id="{1D8BD707-D9CF-40AE-B4C6-C98DA3205C09}" type="datetimeFigureOut">
               <a:rPr lang="en-US" smtClean="0"/>
               <a:pPr/>
-              <a:t>8/1/2011</a:t>
+              <a:t>9/17/2025</a:t>
             </a:fld>
             <a:endParaRPr lang="en-US"/>
           </a:p>
@@ -1397,7 +1401,7 @@
             <a:fld id="{B6F15528-21DE-4FAA-801E-634DDDAF4B2B}" type="slidenum">
               <a:rPr lang="en-US" smtClean="0"/>
               <a:pPr/>
-              <a:t>‹#›</a:t>
+              <a:t>‹Nº›</a:t>
             </a:fld>
             <a:endParaRPr lang="en-US"/>
           </a:p>
@@ -1448,10 +1452,9 @@
           </a:lstStyle>
           <a:p>
             <a:r>
-              <a:rPr lang="en-US" smtClean="0"/>
+              <a:rPr lang="en-US"/>
               <a:t>Click to edit Master title style</a:t>
             </a:r>
-            <a:endParaRPr lang="en-US"/>
           </a:p>
         </p:txBody>
       </p:sp>
@@ -1514,7 +1517,7 @@
           <a:p>
             <a:pPr lvl="0"/>
             <a:r>
-              <a:rPr lang="en-US" smtClean="0"/>
+              <a:rPr lang="en-US"/>
               <a:t>Click to edit Master text styles</a:t>
             </a:r>
           </a:p>
@@ -1570,38 +1573,37 @@
           <a:p>
             <a:pPr lvl="0"/>
             <a:r>
-              <a:rPr lang="en-US" smtClean="0"/>
+              <a:rPr lang="en-US"/>
               <a:t>Click to edit Master text styles</a:t>
             </a:r>
           </a:p>
           <a:p>
             <a:pPr lvl="1"/>
             <a:r>
-              <a:rPr lang="en-US" smtClean="0"/>
+              <a:rPr lang="en-US"/>
               <a:t>Second level</a:t>
             </a:r>
           </a:p>
           <a:p>
             <a:pPr lvl="2"/>
             <a:r>
-              <a:rPr lang="en-US" smtClean="0"/>
+              <a:rPr lang="en-US"/>
               <a:t>Third level</a:t>
             </a:r>
           </a:p>
           <a:p>
             <a:pPr lvl="3"/>
             <a:r>
-              <a:rPr lang="en-US" smtClean="0"/>
+              <a:rPr lang="en-US"/>
               <a:t>Fourth level</a:t>
             </a:r>
           </a:p>
           <a:p>
             <a:pPr lvl="4"/>
             <a:r>
-              <a:rPr lang="en-US" smtClean="0"/>
+              <a:rPr lang="en-US"/>
               <a:t>Fifth level</a:t>
             </a:r>
-            <a:endParaRPr lang="en-US"/>
           </a:p>
         </p:txBody>
       </p:sp>
@@ -1664,7 +1666,7 @@
           <a:p>
             <a:pPr lvl="0"/>
             <a:r>
-              <a:rPr lang="en-US" smtClean="0"/>
+              <a:rPr lang="en-US"/>
               <a:t>Click to edit Master text styles</a:t>
             </a:r>
           </a:p>
@@ -1720,38 +1722,37 @@
           <a:p>
             <a:pPr lvl="0"/>
             <a:r>
-              <a:rPr lang="en-US" smtClean="0"/>
+              <a:rPr lang="en-US"/>
               <a:t>Click to edit Master text styles</a:t>
             </a:r>
           </a:p>
           <a:p>
             <a:pPr lvl="1"/>
             <a:r>
-              <a:rPr lang="en-US" smtClean="0"/>
+              <a:rPr lang="en-US"/>
               <a:t>Second level</a:t>
             </a:r>
           </a:p>
           <a:p>
             <a:pPr lvl="2"/>
             <a:r>
-              <a:rPr lang="en-US" smtClean="0"/>
+              <a:rPr lang="en-US"/>
               <a:t>Third level</a:t>
             </a:r>
           </a:p>
           <a:p>
             <a:pPr lvl="3"/>
             <a:r>
-              <a:rPr lang="en-US" smtClean="0"/>
+              <a:rPr lang="en-US"/>
               <a:t>Fourth level</a:t>
             </a:r>
           </a:p>
           <a:p>
             <a:pPr lvl="4"/>
             <a:r>
-              <a:rPr lang="en-US" smtClean="0"/>
+              <a:rPr lang="en-US"/>
               <a:t>Fifth level</a:t>
             </a:r>
-            <a:endParaRPr lang="en-US"/>
           </a:p>
         </p:txBody>
       </p:sp>
@@ -1773,7 +1774,7 @@
             <a:fld id="{1D8BD707-D9CF-40AE-B4C6-C98DA3205C09}" type="datetimeFigureOut">
               <a:rPr lang="en-US" smtClean="0"/>
               <a:pPr/>
-              <a:t>8/1/2011</a:t>
+              <a:t>9/17/2025</a:t>
             </a:fld>
             <a:endParaRPr lang="en-US"/>
           </a:p>
@@ -1816,7 +1817,7 @@
             <a:fld id="{B6F15528-21DE-4FAA-801E-634DDDAF4B2B}" type="slidenum">
               <a:rPr lang="en-US" smtClean="0"/>
               <a:pPr/>
-              <a:t>‹#›</a:t>
+              <a:t>‹Nº›</a:t>
             </a:fld>
             <a:endParaRPr lang="en-US"/>
           </a:p>
@@ -1863,10 +1864,9 @@
           <a:lstStyle/>
           <a:p>
             <a:r>
-              <a:rPr lang="en-US" smtClean="0"/>
+              <a:rPr lang="en-US"/>
               <a:t>Click to edit Master title style</a:t>
             </a:r>
-            <a:endParaRPr lang="en-US"/>
           </a:p>
         </p:txBody>
       </p:sp>
@@ -1888,7 +1888,7 @@
             <a:fld id="{1D8BD707-D9CF-40AE-B4C6-C98DA3205C09}" type="datetimeFigureOut">
               <a:rPr lang="en-US" smtClean="0"/>
               <a:pPr/>
-              <a:t>8/1/2011</a:t>
+              <a:t>9/17/2025</a:t>
             </a:fld>
             <a:endParaRPr lang="en-US"/>
           </a:p>
@@ -1931,7 +1931,7 @@
             <a:fld id="{B6F15528-21DE-4FAA-801E-634DDDAF4B2B}" type="slidenum">
               <a:rPr lang="en-US" smtClean="0"/>
               <a:pPr/>
-              <a:t>‹#›</a:t>
+              <a:t>‹Nº›</a:t>
             </a:fld>
             <a:endParaRPr lang="en-US"/>
           </a:p>
@@ -1980,7 +1980,7 @@
             <a:fld id="{1D8BD707-D9CF-40AE-B4C6-C98DA3205C09}" type="datetimeFigureOut">
               <a:rPr lang="en-US" smtClean="0"/>
               <a:pPr/>
-              <a:t>8/1/2011</a:t>
+              <a:t>9/17/2025</a:t>
             </a:fld>
             <a:endParaRPr lang="en-US"/>
           </a:p>
@@ -2023,7 +2023,7 @@
             <a:fld id="{B6F15528-21DE-4FAA-801E-634DDDAF4B2B}" type="slidenum">
               <a:rPr lang="en-US" smtClean="0"/>
               <a:pPr/>
-              <a:t>‹#›</a:t>
+              <a:t>‹Nº›</a:t>
             </a:fld>
             <a:endParaRPr lang="en-US"/>
           </a:p>
@@ -2079,10 +2079,9 @@
           </a:lstStyle>
           <a:p>
             <a:r>
-              <a:rPr lang="en-US" smtClean="0"/>
+              <a:rPr lang="en-US"/>
               <a:t>Click to edit Master title style</a:t>
             </a:r>
-            <a:endParaRPr lang="en-US"/>
           </a:p>
         </p:txBody>
       </p:sp>
@@ -2136,38 +2135,37 @@
           <a:p>
             <a:pPr lvl="0"/>
             <a:r>
-              <a:rPr lang="en-US" smtClean="0"/>
+              <a:rPr lang="en-US"/>
               <a:t>Click to edit Master text styles</a:t>
             </a:r>
           </a:p>
           <a:p>
             <a:pPr lvl="1"/>
             <a:r>
-              <a:rPr lang="en-US" smtClean="0"/>
+              <a:rPr lang="en-US"/>
               <a:t>Second level</a:t>
             </a:r>
           </a:p>
           <a:p>
             <a:pPr lvl="2"/>
             <a:r>
-              <a:rPr lang="en-US" smtClean="0"/>
+              <a:rPr lang="en-US"/>
               <a:t>Third level</a:t>
             </a:r>
           </a:p>
           <a:p>
             <a:pPr lvl="3"/>
             <a:r>
-              <a:rPr lang="en-US" smtClean="0"/>
+              <a:rPr lang="en-US"/>
               <a:t>Fourth level</a:t>
             </a:r>
           </a:p>
           <a:p>
             <a:pPr lvl="4"/>
             <a:r>
-              <a:rPr lang="en-US" smtClean="0"/>
+              <a:rPr lang="en-US"/>
               <a:t>Fifth level</a:t>
             </a:r>
-            <a:endParaRPr lang="en-US"/>
           </a:p>
         </p:txBody>
       </p:sp>
@@ -2230,7 +2228,7 @@
           <a:p>
             <a:pPr lvl="0"/>
             <a:r>
-              <a:rPr lang="en-US" smtClean="0"/>
+              <a:rPr lang="en-US"/>
               <a:t>Click to edit Master text styles</a:t>
             </a:r>
           </a:p>
@@ -2254,7 +2252,7 @@
             <a:fld id="{1D8BD707-D9CF-40AE-B4C6-C98DA3205C09}" type="datetimeFigureOut">
               <a:rPr lang="en-US" smtClean="0"/>
               <a:pPr/>
-              <a:t>8/1/2011</a:t>
+              <a:t>9/17/2025</a:t>
             </a:fld>
             <a:endParaRPr lang="en-US"/>
           </a:p>
@@ -2297,7 +2295,7 @@
             <a:fld id="{B6F15528-21DE-4FAA-801E-634DDDAF4B2B}" type="slidenum">
               <a:rPr lang="en-US" smtClean="0"/>
               <a:pPr/>
-              <a:t>‹#›</a:t>
+              <a:t>‹Nº›</a:t>
             </a:fld>
             <a:endParaRPr lang="en-US"/>
           </a:p>
@@ -2353,10 +2351,9 @@
           </a:lstStyle>
           <a:p>
             <a:r>
-              <a:rPr lang="en-US" smtClean="0"/>
+              <a:rPr lang="en-US"/>
               <a:t>Click to edit Master title style</a:t>
             </a:r>
-            <a:endParaRPr lang="en-US"/>
           </a:p>
         </p:txBody>
       </p:sp>
@@ -2480,7 +2477,7 @@
           <a:p>
             <a:pPr lvl="0"/>
             <a:r>
-              <a:rPr lang="en-US" smtClean="0"/>
+              <a:rPr lang="en-US"/>
               <a:t>Click to edit Master text styles</a:t>
             </a:r>
           </a:p>
@@ -2504,7 +2501,7 @@
             <a:fld id="{1D8BD707-D9CF-40AE-B4C6-C98DA3205C09}" type="datetimeFigureOut">
               <a:rPr lang="en-US" smtClean="0"/>
               <a:pPr/>
-              <a:t>8/1/2011</a:t>
+              <a:t>9/17/2025</a:t>
             </a:fld>
             <a:endParaRPr lang="en-US"/>
           </a:p>
@@ -2547,7 +2544,7 @@
             <a:fld id="{B6F15528-21DE-4FAA-801E-634DDDAF4B2B}" type="slidenum">
               <a:rPr lang="en-US" smtClean="0"/>
               <a:pPr/>
-              <a:t>‹#›</a:t>
+              <a:t>‹Nº›</a:t>
             </a:fld>
             <a:endParaRPr lang="en-US"/>
           </a:p>
@@ -2609,10 +2606,9 @@
           <a:lstStyle/>
           <a:p>
             <a:r>
-              <a:rPr lang="en-US" smtClean="0"/>
+              <a:rPr lang="en-US"/>
               <a:t>Click to edit Master title style</a:t>
             </a:r>
-            <a:endParaRPr lang="en-US"/>
           </a:p>
         </p:txBody>
       </p:sp>
@@ -2643,38 +2639,37 @@
           <a:p>
             <a:pPr lvl="0"/>
             <a:r>
-              <a:rPr lang="en-US" smtClean="0"/>
+              <a:rPr lang="en-US"/>
               <a:t>Click to edit Master text styles</a:t>
             </a:r>
           </a:p>
           <a:p>
             <a:pPr lvl="1"/>
             <a:r>
-              <a:rPr lang="en-US" smtClean="0"/>
+              <a:rPr lang="en-US"/>
               <a:t>Second level</a:t>
             </a:r>
           </a:p>
           <a:p>
             <a:pPr lvl="2"/>
             <a:r>
-              <a:rPr lang="en-US" smtClean="0"/>
+              <a:rPr lang="en-US"/>
               <a:t>Third level</a:t>
             </a:r>
           </a:p>
           <a:p>
             <a:pPr lvl="3"/>
             <a:r>
-              <a:rPr lang="en-US" smtClean="0"/>
+              <a:rPr lang="en-US"/>
               <a:t>Fourth level</a:t>
             </a:r>
           </a:p>
           <a:p>
             <a:pPr lvl="4"/>
             <a:r>
-              <a:rPr lang="en-US" smtClean="0"/>
+              <a:rPr lang="en-US"/>
               <a:t>Fifth level</a:t>
             </a:r>
-            <a:endParaRPr lang="en-US"/>
           </a:p>
         </p:txBody>
       </p:sp>
@@ -2714,7 +2709,7 @@
             <a:fld id="{1D8BD707-D9CF-40AE-B4C6-C98DA3205C09}" type="datetimeFigureOut">
               <a:rPr lang="en-US" smtClean="0"/>
               <a:pPr/>
-              <a:t>8/1/2011</a:t>
+              <a:t>9/17/2025</a:t>
             </a:fld>
             <a:endParaRPr lang="en-US"/>
           </a:p>
@@ -2793,7 +2788,7 @@
             <a:fld id="{B6F15528-21DE-4FAA-801E-634DDDAF4B2B}" type="slidenum">
               <a:rPr lang="en-US" smtClean="0"/>
               <a:pPr/>
-              <a:t>‹#›</a:t>
+              <a:t>‹Nº›</a:t>
             </a:fld>
             <a:endParaRPr lang="en-US"/>
           </a:p>
@@ -3069,13 +3064,14 @@
 </file>
 
 <file path=ppt/slides/slide1.xml><?xml version="1.0" encoding="utf-8"?>
-<p:sld xmlns:p="http://schemas.openxmlformats.org/presentationml/2006/main" xmlns:a="http://schemas.openxmlformats.org/drawingml/2006/main" xmlns:r="http://schemas.openxmlformats.org/officeDocument/2006/relationships">
+<p:sld xmlns:a="http://schemas.openxmlformats.org/drawingml/2006/main" xmlns:r="http://schemas.openxmlformats.org/officeDocument/2006/relationships" xmlns:p="http://schemas.openxmlformats.org/presentationml/2006/main">
   <p:cSld>
     <p:bg>
       <p:bgPr>
         <a:solidFill>
           <a:srgbClr val="61A6AB"/>
         </a:solidFill>
+        <a:effectLst/>
       </p:bgPr>
     </p:bg>
     <p:spTree>
@@ -3094,12 +3090,12 @@
       </p:grpSpPr>
       <p:sp>
         <p:nvSpPr>
-          <p:cNvPr name="Freeform 2" id="2"/>
+          <p:cNvPr id="2" name="Freeform 2"/>
           <p:cNvSpPr/>
           <p:nvPr/>
         </p:nvSpPr>
         <p:spPr>
-          <a:xfrm flipH="false" flipV="false" rot="0">
+          <a:xfrm>
             <a:off x="0" y="2504729"/>
             <a:ext cx="18288000" cy="5220393"/>
           </a:xfrm>
@@ -3108,9 +3104,9 @@
             <a:gdLst/>
             <a:ahLst/>
             <a:cxnLst/>
-            <a:rect r="r" b="b" t="t" l="l"/>
+            <a:rect l="l" t="t" r="r" b="b"/>
             <a:pathLst>
-              <a:path h="5220393" w="18288000">
+              <a:path w="18288000" h="5220393">
                 <a:moveTo>
                   <a:pt x="0" y="0"/>
                 </a:moveTo>
@@ -3139,19 +3135,26 @@
               </a:extLst>
             </a:blip>
             <a:stretch>
-              <a:fillRect l="0" t="0" r="0" b="0"/>
+              <a:fillRect/>
             </a:stretch>
           </a:blipFill>
         </p:spPr>
-      </p:sp>
-      <p:sp>
-        <p:nvSpPr>
-          <p:cNvPr name="Freeform 3" id="3"/>
+        <p:txBody>
+          <a:bodyPr/>
+          <a:lstStyle/>
+          <a:p>
+            <a:endParaRPr lang="es-CR"/>
+          </a:p>
+        </p:txBody>
+      </p:sp>
+      <p:sp>
+        <p:nvSpPr>
+          <p:cNvPr id="3" name="Freeform 3"/>
           <p:cNvSpPr/>
           <p:nvPr/>
         </p:nvSpPr>
         <p:spPr>
-          <a:xfrm flipH="false" flipV="false" rot="0">
+          <a:xfrm>
             <a:off x="1848073" y="3776581"/>
             <a:ext cx="3973080" cy="3126814"/>
           </a:xfrm>
@@ -3160,9 +3163,9 @@
             <a:gdLst/>
             <a:ahLst/>
             <a:cxnLst/>
-            <a:rect r="r" b="b" t="t" l="l"/>
+            <a:rect l="l" t="t" r="r" b="b"/>
             <a:pathLst>
-              <a:path h="3126814" w="3973080">
+              <a:path w="3973080" h="3126814">
                 <a:moveTo>
                   <a:pt x="0" y="0"/>
                 </a:moveTo>
@@ -3191,19 +3194,26 @@
               </a:extLst>
             </a:blip>
             <a:stretch>
-              <a:fillRect l="0" t="0" r="0" b="0"/>
+              <a:fillRect/>
             </a:stretch>
           </a:blipFill>
         </p:spPr>
+        <p:txBody>
+          <a:bodyPr/>
+          <a:lstStyle/>
+          <a:p>
+            <a:endParaRPr lang="es-CR"/>
+          </a:p>
+        </p:txBody>
       </p:sp>
       <p:grpSp>
         <p:nvGrpSpPr>
-          <p:cNvPr name="Group 4" id="4"/>
+          <p:cNvPr id="4" name="Group 4"/>
           <p:cNvGrpSpPr/>
           <p:nvPr/>
         </p:nvGrpSpPr>
         <p:grpSpPr>
-          <a:xfrm rot="0">
+          <a:xfrm>
             <a:off x="23476" y="9563446"/>
             <a:ext cx="1005224" cy="1075788"/>
             <a:chOff x="0" y="0"/>
@@ -3212,12 +3222,12 @@
         </p:grpSpPr>
         <p:sp>
           <p:nvSpPr>
-            <p:cNvPr name="Freeform 5" id="5"/>
+            <p:cNvPr id="5" name="Freeform 5"/>
             <p:cNvSpPr/>
             <p:nvPr/>
           </p:nvSpPr>
           <p:spPr>
-            <a:xfrm flipH="false" flipV="false" rot="0">
+            <a:xfrm>
               <a:off x="0" y="0"/>
               <a:ext cx="264750" cy="283335"/>
             </a:xfrm>
@@ -3226,9 +3236,9 @@
               <a:gdLst/>
               <a:ahLst/>
               <a:cxnLst/>
-              <a:rect r="r" b="b" t="t" l="l"/>
+              <a:rect l="l" t="t" r="r" b="b"/>
               <a:pathLst>
-                <a:path h="283335" w="264750">
+                <a:path w="264750" h="283335">
                   <a:moveTo>
                     <a:pt x="0" y="0"/>
                   </a:moveTo>
@@ -3249,11 +3259,18 @@
               <a:srgbClr val="FFCE6D"/>
             </a:solidFill>
           </p:spPr>
+          <p:txBody>
+            <a:bodyPr/>
+            <a:lstStyle/>
+            <a:p>
+              <a:endParaRPr lang="es-CR"/>
+            </a:p>
+          </p:txBody>
         </p:sp>
         <p:sp>
           <p:nvSpPr>
-            <p:cNvPr name="TextBox 6" id="6"/>
-            <p:cNvSpPr txBox="true"/>
+            <p:cNvPr id="6" name="TextBox 6"/>
+            <p:cNvSpPr txBox="1"/>
             <p:nvPr/>
           </p:nvSpPr>
           <p:spPr>
@@ -3266,7 +3283,7 @@
             </a:prstGeom>
           </p:spPr>
           <p:txBody>
-            <a:bodyPr anchor="ctr" rtlCol="false" tIns="50800" lIns="50800" bIns="50800" rIns="50800"/>
+            <a:bodyPr lIns="50800" tIns="50800" rIns="50800" bIns="50800" rtlCol="0" anchor="ctr"/>
             <a:lstStyle/>
             <a:p>
               <a:pPr algn="ctr">
@@ -3277,18 +3294,19 @@
                   <a:spcPct val="0"/>
                 </a:spcBef>
               </a:pPr>
+              <a:endParaRPr/>
             </a:p>
           </p:txBody>
         </p:sp>
       </p:grpSp>
       <p:sp>
         <p:nvSpPr>
-          <p:cNvPr name="TextBox 7" id="7"/>
-          <p:cNvSpPr txBox="true"/>
+          <p:cNvPr id="7" name="TextBox 7"/>
+          <p:cNvSpPr txBox="1"/>
           <p:nvPr/>
         </p:nvSpPr>
         <p:spPr>
-          <a:xfrm rot="0">
+          <a:xfrm>
             <a:off x="6801872" y="4559432"/>
             <a:ext cx="10319073" cy="1716409"/>
           </a:xfrm>
@@ -3297,7 +3315,7 @@
           </a:prstGeom>
         </p:spPr>
         <p:txBody>
-          <a:bodyPr anchor="t" rtlCol="false" tIns="0" lIns="0" bIns="0" rIns="0">
+          <a:bodyPr lIns="0" tIns="0" rIns="0" bIns="0" rtlCol="0" anchor="t">
             <a:spAutoFit/>
           </a:bodyPr>
           <a:lstStyle/>
@@ -3308,7 +3326,7 @@
               </a:lnSpc>
             </a:pPr>
             <a:r>
-              <a:rPr lang="en-US" b="true" sz="9899">
+              <a:rPr lang="en-US" sz="9899" b="1">
                 <a:solidFill>
                   <a:srgbClr val="291B25"/>
                 </a:solidFill>
@@ -3324,12 +3342,12 @@
       </p:sp>
       <p:sp>
         <p:nvSpPr>
-          <p:cNvPr name="TextBox 8" id="8"/>
-          <p:cNvSpPr txBox="true"/>
+          <p:cNvPr id="8" name="TextBox 8"/>
+          <p:cNvSpPr txBox="1"/>
           <p:nvPr/>
         </p:nvSpPr>
         <p:spPr>
-          <a:xfrm rot="0">
+          <a:xfrm>
             <a:off x="9398714" y="5961720"/>
             <a:ext cx="5125389" cy="941674"/>
           </a:xfrm>
@@ -3338,7 +3356,7 @@
           </a:prstGeom>
         </p:spPr>
         <p:txBody>
-          <a:bodyPr anchor="t" rtlCol="false" tIns="0" lIns="0" bIns="0" rIns="0">
+          <a:bodyPr lIns="0" tIns="0" rIns="0" bIns="0" rtlCol="0" anchor="t">
             <a:spAutoFit/>
           </a:bodyPr>
           <a:lstStyle/>
@@ -3384,12 +3402,12 @@
       </p:sp>
       <p:sp>
         <p:nvSpPr>
-          <p:cNvPr name="TextBox 9" id="9"/>
-          <p:cNvSpPr txBox="true"/>
+          <p:cNvPr id="9" name="TextBox 9"/>
+          <p:cNvSpPr txBox="1"/>
           <p:nvPr/>
         </p:nvSpPr>
         <p:spPr>
-          <a:xfrm rot="0">
+          <a:xfrm>
             <a:off x="9833606" y="3643231"/>
             <a:ext cx="4255605" cy="1226808"/>
           </a:xfrm>
@@ -3398,7 +3416,7 @@
           </a:prstGeom>
         </p:spPr>
         <p:txBody>
-          <a:bodyPr anchor="t" rtlCol="false" tIns="0" lIns="0" bIns="0" rIns="0">
+          <a:bodyPr lIns="0" tIns="0" rIns="0" bIns="0" rtlCol="0" anchor="t">
             <a:spAutoFit/>
           </a:bodyPr>
           <a:lstStyle/>
@@ -3425,12 +3443,12 @@
       </p:sp>
       <p:grpSp>
         <p:nvGrpSpPr>
-          <p:cNvPr name="Group 10" id="10"/>
+          <p:cNvPr id="10" name="Group 10"/>
           <p:cNvGrpSpPr/>
           <p:nvPr/>
         </p:nvGrpSpPr>
         <p:grpSpPr>
-          <a:xfrm rot="0">
+          <a:xfrm>
             <a:off x="1345461" y="9563446"/>
             <a:ext cx="1005224" cy="1075788"/>
             <a:chOff x="0" y="0"/>
@@ -3439,12 +3457,12 @@
         </p:grpSpPr>
         <p:sp>
           <p:nvSpPr>
-            <p:cNvPr name="Freeform 11" id="11"/>
+            <p:cNvPr id="11" name="Freeform 11"/>
             <p:cNvSpPr/>
             <p:nvPr/>
           </p:nvSpPr>
           <p:spPr>
-            <a:xfrm flipH="false" flipV="false" rot="0">
+            <a:xfrm>
               <a:off x="0" y="0"/>
               <a:ext cx="264750" cy="283335"/>
             </a:xfrm>
@@ -3453,9 +3471,9 @@
               <a:gdLst/>
               <a:ahLst/>
               <a:cxnLst/>
-              <a:rect r="r" b="b" t="t" l="l"/>
+              <a:rect l="l" t="t" r="r" b="b"/>
               <a:pathLst>
-                <a:path h="283335" w="264750">
+                <a:path w="264750" h="283335">
                   <a:moveTo>
                     <a:pt x="0" y="0"/>
                   </a:moveTo>
@@ -3476,11 +3494,18 @@
               <a:srgbClr val="FFCE6D"/>
             </a:solidFill>
           </p:spPr>
+          <p:txBody>
+            <a:bodyPr/>
+            <a:lstStyle/>
+            <a:p>
+              <a:endParaRPr lang="es-CR"/>
+            </a:p>
+          </p:txBody>
         </p:sp>
         <p:sp>
           <p:nvSpPr>
-            <p:cNvPr name="TextBox 12" id="12"/>
-            <p:cNvSpPr txBox="true"/>
+            <p:cNvPr id="12" name="TextBox 12"/>
+            <p:cNvSpPr txBox="1"/>
             <p:nvPr/>
           </p:nvSpPr>
           <p:spPr>
@@ -3493,7 +3518,7 @@
             </a:prstGeom>
           </p:spPr>
           <p:txBody>
-            <a:bodyPr anchor="ctr" rtlCol="false" tIns="50800" lIns="50800" bIns="50800" rIns="50800"/>
+            <a:bodyPr lIns="50800" tIns="50800" rIns="50800" bIns="50800" rtlCol="0" anchor="ctr"/>
             <a:lstStyle/>
             <a:p>
               <a:pPr algn="ctr">
@@ -3504,18 +3529,19 @@
                   <a:spcPct val="0"/>
                 </a:spcBef>
               </a:pPr>
+              <a:endParaRPr/>
             </a:p>
           </p:txBody>
         </p:sp>
       </p:grpSp>
       <p:grpSp>
         <p:nvGrpSpPr>
-          <p:cNvPr name="Group 13" id="13"/>
+          <p:cNvPr id="13" name="Group 13"/>
           <p:cNvGrpSpPr/>
           <p:nvPr/>
         </p:nvGrpSpPr>
         <p:grpSpPr>
-          <a:xfrm rot="0">
+          <a:xfrm>
             <a:off x="2665010" y="9563446"/>
             <a:ext cx="15622990" cy="1075788"/>
             <a:chOff x="0" y="0"/>
@@ -3524,12 +3550,12 @@
         </p:grpSpPr>
         <p:sp>
           <p:nvSpPr>
-            <p:cNvPr name="Freeform 14" id="14"/>
+            <p:cNvPr id="14" name="Freeform 14"/>
             <p:cNvSpPr/>
             <p:nvPr/>
           </p:nvSpPr>
           <p:spPr>
-            <a:xfrm flipH="false" flipV="false" rot="0">
+            <a:xfrm>
               <a:off x="0" y="0"/>
               <a:ext cx="4114697" cy="283335"/>
             </a:xfrm>
@@ -3538,9 +3564,9 @@
               <a:gdLst/>
               <a:ahLst/>
               <a:cxnLst/>
-              <a:rect r="r" b="b" t="t" l="l"/>
+              <a:rect l="l" t="t" r="r" b="b"/>
               <a:pathLst>
-                <a:path h="283335" w="4114697">
+                <a:path w="4114697" h="283335">
                   <a:moveTo>
                     <a:pt x="0" y="0"/>
                   </a:moveTo>
@@ -3561,11 +3587,18 @@
               <a:srgbClr val="291B25"/>
             </a:solidFill>
           </p:spPr>
+          <p:txBody>
+            <a:bodyPr/>
+            <a:lstStyle/>
+            <a:p>
+              <a:endParaRPr lang="es-CR"/>
+            </a:p>
+          </p:txBody>
         </p:sp>
         <p:sp>
           <p:nvSpPr>
-            <p:cNvPr name="TextBox 15" id="15"/>
-            <p:cNvSpPr txBox="true"/>
+            <p:cNvPr id="15" name="TextBox 15"/>
+            <p:cNvSpPr txBox="1"/>
             <p:nvPr/>
           </p:nvSpPr>
           <p:spPr>
@@ -3578,7 +3611,7 @@
             </a:prstGeom>
           </p:spPr>
           <p:txBody>
-            <a:bodyPr anchor="ctr" rtlCol="false" tIns="50800" lIns="50800" bIns="50800" rIns="50800"/>
+            <a:bodyPr lIns="50800" tIns="50800" rIns="50800" bIns="50800" rtlCol="0" anchor="ctr"/>
             <a:lstStyle/>
             <a:p>
               <a:pPr algn="ctr">
@@ -3589,13 +3622,14 @@
                   <a:spcPct val="0"/>
                 </a:spcBef>
               </a:pPr>
+              <a:endParaRPr/>
             </a:p>
           </p:txBody>
         </p:sp>
       </p:grpSp>
       <p:grpSp>
         <p:nvGrpSpPr>
-          <p:cNvPr name="Group 16" id="16"/>
+          <p:cNvPr id="16" name="Group 16"/>
           <p:cNvGrpSpPr/>
           <p:nvPr/>
         </p:nvGrpSpPr>
@@ -3609,12 +3643,12 @@
         </p:grpSpPr>
         <p:sp>
           <p:nvSpPr>
-            <p:cNvPr name="Freeform 17" id="17"/>
+            <p:cNvPr id="17" name="Freeform 17"/>
             <p:cNvSpPr/>
             <p:nvPr/>
           </p:nvSpPr>
           <p:spPr>
-            <a:xfrm flipH="false" flipV="false" rot="0">
+            <a:xfrm>
               <a:off x="0" y="0"/>
               <a:ext cx="264750" cy="283335"/>
             </a:xfrm>
@@ -3623,9 +3657,9 @@
               <a:gdLst/>
               <a:ahLst/>
               <a:cxnLst/>
-              <a:rect r="r" b="b" t="t" l="l"/>
+              <a:rect l="l" t="t" r="r" b="b"/>
               <a:pathLst>
-                <a:path h="283335" w="264750">
+                <a:path w="264750" h="283335">
                   <a:moveTo>
                     <a:pt x="0" y="0"/>
                   </a:moveTo>
@@ -3646,11 +3680,18 @@
               <a:srgbClr val="FFCE6D"/>
             </a:solidFill>
           </p:spPr>
+          <p:txBody>
+            <a:bodyPr/>
+            <a:lstStyle/>
+            <a:p>
+              <a:endParaRPr lang="es-CR"/>
+            </a:p>
+          </p:txBody>
         </p:sp>
         <p:sp>
           <p:nvSpPr>
-            <p:cNvPr name="TextBox 18" id="18"/>
-            <p:cNvSpPr txBox="true"/>
+            <p:cNvPr id="18" name="TextBox 18"/>
+            <p:cNvSpPr txBox="1"/>
             <p:nvPr/>
           </p:nvSpPr>
           <p:spPr>
@@ -3663,7 +3704,7 @@
             </a:prstGeom>
           </p:spPr>
           <p:txBody>
-            <a:bodyPr anchor="ctr" rtlCol="false" tIns="50800" lIns="50800" bIns="50800" rIns="50800"/>
+            <a:bodyPr lIns="50800" tIns="50800" rIns="50800" bIns="50800" rtlCol="0" anchor="ctr"/>
             <a:lstStyle/>
             <a:p>
               <a:pPr algn="ctr">
@@ -3674,13 +3715,14 @@
                   <a:spcPct val="0"/>
                 </a:spcBef>
               </a:pPr>
+              <a:endParaRPr/>
             </a:p>
           </p:txBody>
         </p:sp>
       </p:grpSp>
       <p:grpSp>
         <p:nvGrpSpPr>
-          <p:cNvPr name="Group 19" id="19"/>
+          <p:cNvPr id="19" name="Group 19"/>
           <p:cNvGrpSpPr/>
           <p:nvPr/>
         </p:nvGrpSpPr>
@@ -3694,12 +3736,12 @@
         </p:grpSpPr>
         <p:sp>
           <p:nvSpPr>
-            <p:cNvPr name="Freeform 20" id="20"/>
+            <p:cNvPr id="20" name="Freeform 20"/>
             <p:cNvSpPr/>
             <p:nvPr/>
           </p:nvSpPr>
           <p:spPr>
-            <a:xfrm flipH="false" flipV="false" rot="0">
+            <a:xfrm>
               <a:off x="0" y="0"/>
               <a:ext cx="264750" cy="283335"/>
             </a:xfrm>
@@ -3708,9 +3750,9 @@
               <a:gdLst/>
               <a:ahLst/>
               <a:cxnLst/>
-              <a:rect r="r" b="b" t="t" l="l"/>
+              <a:rect l="l" t="t" r="r" b="b"/>
               <a:pathLst>
-                <a:path h="283335" w="264750">
+                <a:path w="264750" h="283335">
                   <a:moveTo>
                     <a:pt x="0" y="0"/>
                   </a:moveTo>
@@ -3731,11 +3773,18 @@
               <a:srgbClr val="FFCE6D"/>
             </a:solidFill>
           </p:spPr>
+          <p:txBody>
+            <a:bodyPr/>
+            <a:lstStyle/>
+            <a:p>
+              <a:endParaRPr lang="es-CR"/>
+            </a:p>
+          </p:txBody>
         </p:sp>
         <p:sp>
           <p:nvSpPr>
-            <p:cNvPr name="TextBox 21" id="21"/>
-            <p:cNvSpPr txBox="true"/>
+            <p:cNvPr id="21" name="TextBox 21"/>
+            <p:cNvSpPr txBox="1"/>
             <p:nvPr/>
           </p:nvSpPr>
           <p:spPr>
@@ -3748,7 +3797,7 @@
             </a:prstGeom>
           </p:spPr>
           <p:txBody>
-            <a:bodyPr anchor="ctr" rtlCol="false" tIns="50800" lIns="50800" bIns="50800" rIns="50800"/>
+            <a:bodyPr lIns="50800" tIns="50800" rIns="50800" bIns="50800" rtlCol="0" anchor="ctr"/>
             <a:lstStyle/>
             <a:p>
               <a:pPr algn="ctr">
@@ -3759,13 +3808,14 @@
                   <a:spcPct val="0"/>
                 </a:spcBef>
               </a:pPr>
+              <a:endParaRPr/>
             </a:p>
           </p:txBody>
         </p:sp>
       </p:grpSp>
       <p:grpSp>
         <p:nvGrpSpPr>
-          <p:cNvPr name="Group 22" id="22"/>
+          <p:cNvPr id="22" name="Group 22"/>
           <p:cNvGrpSpPr/>
           <p:nvPr/>
         </p:nvGrpSpPr>
@@ -3779,12 +3829,12 @@
         </p:grpSpPr>
         <p:sp>
           <p:nvSpPr>
-            <p:cNvPr name="Freeform 23" id="23"/>
+            <p:cNvPr id="23" name="Freeform 23"/>
             <p:cNvSpPr/>
             <p:nvPr/>
           </p:nvSpPr>
           <p:spPr>
-            <a:xfrm flipH="false" flipV="false" rot="0">
+            <a:xfrm>
               <a:off x="0" y="0"/>
               <a:ext cx="4114697" cy="283335"/>
             </a:xfrm>
@@ -3793,9 +3843,9 @@
               <a:gdLst/>
               <a:ahLst/>
               <a:cxnLst/>
-              <a:rect r="r" b="b" t="t" l="l"/>
+              <a:rect l="l" t="t" r="r" b="b"/>
               <a:pathLst>
-                <a:path h="283335" w="4114697">
+                <a:path w="4114697" h="283335">
                   <a:moveTo>
                     <a:pt x="0" y="0"/>
                   </a:moveTo>
@@ -3816,11 +3866,18 @@
               <a:srgbClr val="291B25"/>
             </a:solidFill>
           </p:spPr>
+          <p:txBody>
+            <a:bodyPr/>
+            <a:lstStyle/>
+            <a:p>
+              <a:endParaRPr lang="es-CR"/>
+            </a:p>
+          </p:txBody>
         </p:sp>
         <p:sp>
           <p:nvSpPr>
-            <p:cNvPr name="TextBox 24" id="24"/>
-            <p:cNvSpPr txBox="true"/>
+            <p:cNvPr id="24" name="TextBox 24"/>
+            <p:cNvSpPr txBox="1"/>
             <p:nvPr/>
           </p:nvSpPr>
           <p:spPr>
@@ -3833,7 +3890,7 @@
             </a:prstGeom>
           </p:spPr>
           <p:txBody>
-            <a:bodyPr anchor="ctr" rtlCol="false" tIns="50800" lIns="50800" bIns="50800" rIns="50800"/>
+            <a:bodyPr lIns="50800" tIns="50800" rIns="50800" bIns="50800" rtlCol="0" anchor="ctr"/>
             <a:lstStyle/>
             <a:p>
               <a:pPr algn="ctr">
@@ -3844,6 +3901,7 @@
                   <a:spcPct val="0"/>
                 </a:spcBef>
               </a:pPr>
+              <a:endParaRPr/>
             </a:p>
           </p:txBody>
         </p:sp>
@@ -3857,13 +3915,14 @@
 </file>
 
 <file path=ppt/slides/slide2.xml><?xml version="1.0" encoding="utf-8"?>
-<p:sld xmlns:p="http://schemas.openxmlformats.org/presentationml/2006/main" xmlns:a="http://schemas.openxmlformats.org/drawingml/2006/main" xmlns:r="http://schemas.openxmlformats.org/officeDocument/2006/relationships">
+<p:sld xmlns:a="http://schemas.openxmlformats.org/drawingml/2006/main" xmlns:r="http://schemas.openxmlformats.org/officeDocument/2006/relationships" xmlns:p="http://schemas.openxmlformats.org/presentationml/2006/main">
   <p:cSld>
     <p:bg>
       <p:bgPr>
         <a:solidFill>
           <a:srgbClr val="61A6AB"/>
         </a:solidFill>
+        <a:effectLst/>
       </p:bgPr>
     </p:bg>
     <p:spTree>
@@ -3882,12 +3941,12 @@
       </p:grpSpPr>
       <p:sp>
         <p:nvSpPr>
-          <p:cNvPr name="Freeform 2" id="2"/>
+          <p:cNvPr id="2" name="Freeform 2"/>
           <p:cNvSpPr/>
           <p:nvPr/>
         </p:nvSpPr>
         <p:spPr>
-          <a:xfrm flipH="false" flipV="false" rot="0">
+          <a:xfrm>
             <a:off x="1028700" y="1028700"/>
             <a:ext cx="12038256" cy="3480150"/>
           </a:xfrm>
@@ -3896,9 +3955,9 @@
             <a:gdLst/>
             <a:ahLst/>
             <a:cxnLst/>
-            <a:rect r="r" b="b" t="t" l="l"/>
+            <a:rect l="l" t="t" r="r" b="b"/>
             <a:pathLst>
-              <a:path h="3480150" w="12038256">
+              <a:path w="12038256" h="3480150">
                 <a:moveTo>
                   <a:pt x="0" y="0"/>
                 </a:moveTo>
@@ -3927,19 +3986,26 @@
               </a:extLst>
             </a:blip>
             <a:stretch>
-              <a:fillRect l="0" t="0" r="0" b="0"/>
+              <a:fillRect/>
             </a:stretch>
           </a:blipFill>
         </p:spPr>
-      </p:sp>
-      <p:sp>
-        <p:nvSpPr>
-          <p:cNvPr name="Freeform 3" id="3"/>
+        <p:txBody>
+          <a:bodyPr/>
+          <a:lstStyle/>
+          <a:p>
+            <a:endParaRPr lang="es-CR"/>
+          </a:p>
+        </p:txBody>
+      </p:sp>
+      <p:sp>
+        <p:nvSpPr>
+          <p:cNvPr id="3" name="Freeform 3"/>
           <p:cNvSpPr/>
           <p:nvPr/>
         </p:nvSpPr>
         <p:spPr>
-          <a:xfrm flipH="false" flipV="false" rot="0">
+          <a:xfrm>
             <a:off x="14779603" y="1028700"/>
             <a:ext cx="2479697" cy="2479697"/>
           </a:xfrm>
@@ -3948,9 +4014,9 @@
             <a:gdLst/>
             <a:ahLst/>
             <a:cxnLst/>
-            <a:rect r="r" b="b" t="t" l="l"/>
+            <a:rect l="l" t="t" r="r" b="b"/>
             <a:pathLst>
-              <a:path h="2479697" w="2479697">
+              <a:path w="2479697" h="2479697">
                 <a:moveTo>
                   <a:pt x="0" y="0"/>
                 </a:moveTo>
@@ -3979,19 +4045,26 @@
               </a:extLst>
             </a:blip>
             <a:stretch>
-              <a:fillRect l="0" t="0" r="0" b="0"/>
+              <a:fillRect/>
             </a:stretch>
           </a:blipFill>
         </p:spPr>
-      </p:sp>
-      <p:sp>
-        <p:nvSpPr>
-          <p:cNvPr name="TextBox 4" id="4"/>
-          <p:cNvSpPr txBox="true"/>
+        <p:txBody>
+          <a:bodyPr/>
+          <a:lstStyle/>
+          <a:p>
+            <a:endParaRPr lang="es-CR"/>
+          </a:p>
+        </p:txBody>
+      </p:sp>
+      <p:sp>
+        <p:nvSpPr>
+          <p:cNvPr id="4" name="TextBox 4"/>
+          <p:cNvSpPr txBox="1"/>
           <p:nvPr/>
         </p:nvSpPr>
         <p:spPr>
-          <a:xfrm rot="0">
+          <a:xfrm>
             <a:off x="4559167" y="5198406"/>
             <a:ext cx="9828671" cy="4678424"/>
           </a:xfrm>
@@ -4000,12 +4073,12 @@
           </a:prstGeom>
         </p:spPr>
         <p:txBody>
-          <a:bodyPr anchor="t" rtlCol="false" tIns="0" lIns="0" bIns="0" rIns="0">
+          <a:bodyPr lIns="0" tIns="0" rIns="0" bIns="0" rtlCol="0" anchor="t">
             <a:spAutoFit/>
           </a:bodyPr>
           <a:lstStyle/>
           <a:p>
-            <a:pPr algn="l" marL="1057901" indent="-528951" lvl="1">
+            <a:pPr marL="1057901" lvl="1" indent="-528951" algn="l">
               <a:lnSpc>
                 <a:spcPts val="4066"/>
               </a:lnSpc>
@@ -4031,9 +4104,18 @@
                 <a:spcPts val="4066"/>
               </a:lnSpc>
             </a:pPr>
-          </a:p>
-          <a:p>
-            <a:pPr algn="l" marL="1057901" indent="-528951" lvl="1">
+            <a:endParaRPr lang="en-US" sz="4899" spc="48">
+              <a:solidFill>
+                <a:srgbClr val="291B25"/>
+              </a:solidFill>
+              <a:latin typeface="Proxima Nova"/>
+              <a:ea typeface="Proxima Nova"/>
+              <a:cs typeface="Proxima Nova"/>
+              <a:sym typeface="Proxima Nova"/>
+            </a:endParaRPr>
+          </a:p>
+          <a:p>
+            <a:pPr marL="1057901" lvl="1" indent="-528951" algn="l">
               <a:lnSpc>
                 <a:spcPts val="4066"/>
               </a:lnSpc>
@@ -4059,9 +4141,18 @@
                 <a:spcPts val="4066"/>
               </a:lnSpc>
             </a:pPr>
-          </a:p>
-          <a:p>
-            <a:pPr algn="l" marL="1057901" indent="-528951" lvl="1">
+            <a:endParaRPr lang="en-US" sz="4899" spc="48">
+              <a:solidFill>
+                <a:srgbClr val="291B25"/>
+              </a:solidFill>
+              <a:latin typeface="Proxima Nova"/>
+              <a:ea typeface="Proxima Nova"/>
+              <a:cs typeface="Proxima Nova"/>
+              <a:sym typeface="Proxima Nova"/>
+            </a:endParaRPr>
+          </a:p>
+          <a:p>
+            <a:pPr marL="1057901" lvl="1" indent="-528951" algn="l">
               <a:lnSpc>
                 <a:spcPts val="4066"/>
               </a:lnSpc>
@@ -4087,9 +4178,18 @@
                 <a:spcPts val="4066"/>
               </a:lnSpc>
             </a:pPr>
-          </a:p>
-          <a:p>
-            <a:pPr algn="l" marL="1057901" indent="-528951" lvl="1">
+            <a:endParaRPr lang="en-US" sz="4899" spc="48">
+              <a:solidFill>
+                <a:srgbClr val="291B25"/>
+              </a:solidFill>
+              <a:latin typeface="Proxima Nova"/>
+              <a:ea typeface="Proxima Nova"/>
+              <a:cs typeface="Proxima Nova"/>
+              <a:sym typeface="Proxima Nova"/>
+            </a:endParaRPr>
+          </a:p>
+          <a:p>
+            <a:pPr marL="1057901" lvl="1" indent="-528951" algn="l">
               <a:lnSpc>
                 <a:spcPts val="4066"/>
               </a:lnSpc>
@@ -4115,9 +4215,18 @@
                 <a:spcPts val="4066"/>
               </a:lnSpc>
             </a:pPr>
-          </a:p>
-          <a:p>
-            <a:pPr algn="l" marL="1057901" indent="-528951" lvl="1">
+            <a:endParaRPr lang="en-US" sz="4899" spc="48">
+              <a:solidFill>
+                <a:srgbClr val="291B25"/>
+              </a:solidFill>
+              <a:latin typeface="Proxima Nova"/>
+              <a:ea typeface="Proxima Nova"/>
+              <a:cs typeface="Proxima Nova"/>
+              <a:sym typeface="Proxima Nova"/>
+            </a:endParaRPr>
+          </a:p>
+          <a:p>
+            <a:pPr marL="1057901" lvl="1" indent="-528951" algn="l">
               <a:lnSpc>
                 <a:spcPts val="4066"/>
               </a:lnSpc>
@@ -4141,12 +4250,12 @@
       </p:sp>
       <p:sp>
         <p:nvSpPr>
-          <p:cNvPr name="TextBox 5" id="5"/>
-          <p:cNvSpPr txBox="true"/>
+          <p:cNvPr id="5" name="TextBox 5"/>
+          <p:cNvSpPr txBox="1"/>
           <p:nvPr/>
         </p:nvSpPr>
         <p:spPr>
-          <a:xfrm rot="0">
+          <a:xfrm>
             <a:off x="4559167" y="2320199"/>
             <a:ext cx="7353543" cy="1529839"/>
           </a:xfrm>
@@ -4155,7 +4264,7 @@
           </a:prstGeom>
         </p:spPr>
         <p:txBody>
-          <a:bodyPr anchor="t" rtlCol="false" tIns="0" lIns="0" bIns="0" rIns="0">
+          <a:bodyPr lIns="0" tIns="0" rIns="0" bIns="0" rtlCol="0" anchor="t">
             <a:spAutoFit/>
           </a:bodyPr>
           <a:lstStyle/>
@@ -4182,12 +4291,12 @@
       </p:sp>
       <p:sp>
         <p:nvSpPr>
-          <p:cNvPr name="Freeform 6" id="6"/>
+          <p:cNvPr id="6" name="Freeform 6"/>
           <p:cNvSpPr/>
           <p:nvPr/>
         </p:nvSpPr>
         <p:spPr>
-          <a:xfrm flipH="false" flipV="false" rot="0">
+          <a:xfrm>
             <a:off x="14779603" y="3903652"/>
             <a:ext cx="2479697" cy="2479697"/>
           </a:xfrm>
@@ -4196,9 +4305,9 @@
             <a:gdLst/>
             <a:ahLst/>
             <a:cxnLst/>
-            <a:rect r="r" b="b" t="t" l="l"/>
+            <a:rect l="l" t="t" r="r" b="b"/>
             <a:pathLst>
-              <a:path h="2479697" w="2479697">
+              <a:path w="2479697" h="2479697">
                 <a:moveTo>
                   <a:pt x="0" y="0"/>
                 </a:moveTo>
@@ -4227,19 +4336,26 @@
               </a:extLst>
             </a:blip>
             <a:stretch>
-              <a:fillRect l="0" t="0" r="0" b="0"/>
+              <a:fillRect/>
             </a:stretch>
           </a:blipFill>
         </p:spPr>
-      </p:sp>
-      <p:sp>
-        <p:nvSpPr>
-          <p:cNvPr name="Freeform 7" id="7"/>
+        <p:txBody>
+          <a:bodyPr/>
+          <a:lstStyle/>
+          <a:p>
+            <a:endParaRPr lang="es-CR"/>
+          </a:p>
+        </p:txBody>
+      </p:sp>
+      <p:sp>
+        <p:nvSpPr>
+          <p:cNvPr id="7" name="Freeform 7"/>
           <p:cNvSpPr/>
           <p:nvPr/>
         </p:nvSpPr>
         <p:spPr>
-          <a:xfrm flipH="false" flipV="false" rot="0">
+          <a:xfrm>
             <a:off x="14779603" y="6778603"/>
             <a:ext cx="2479697" cy="2479697"/>
           </a:xfrm>
@@ -4248,9 +4364,9 @@
             <a:gdLst/>
             <a:ahLst/>
             <a:cxnLst/>
-            <a:rect r="r" b="b" t="t" l="l"/>
+            <a:rect l="l" t="t" r="r" b="b"/>
             <a:pathLst>
-              <a:path h="2479697" w="2479697">
+              <a:path w="2479697" h="2479697">
                 <a:moveTo>
                   <a:pt x="0" y="0"/>
                 </a:moveTo>
@@ -4279,10 +4395,17 @@
               </a:extLst>
             </a:blip>
             <a:stretch>
-              <a:fillRect l="0" t="0" r="0" b="0"/>
+              <a:fillRect/>
             </a:stretch>
           </a:blipFill>
         </p:spPr>
+        <p:txBody>
+          <a:bodyPr/>
+          <a:lstStyle/>
+          <a:p>
+            <a:endParaRPr lang="es-CR"/>
+          </a:p>
+        </p:txBody>
       </p:sp>
     </p:spTree>
   </p:cSld>
@@ -4293,13 +4416,14 @@
 </file>
 
 <file path=ppt/slides/slide3.xml><?xml version="1.0" encoding="utf-8"?>
-<p:sld xmlns:p="http://schemas.openxmlformats.org/presentationml/2006/main" xmlns:a="http://schemas.openxmlformats.org/drawingml/2006/main">
+<p:sld xmlns:a="http://schemas.openxmlformats.org/drawingml/2006/main" xmlns:r="http://schemas.openxmlformats.org/officeDocument/2006/relationships" xmlns:p="http://schemas.openxmlformats.org/presentationml/2006/main">
   <p:cSld>
     <p:bg>
       <p:bgPr>
         <a:solidFill>
           <a:srgbClr val="291B25"/>
         </a:solidFill>
+        <a:effectLst/>
       </p:bgPr>
     </p:bg>
     <p:spTree>
@@ -4318,12 +4442,12 @@
       </p:grpSpPr>
       <p:grpSp>
         <p:nvGrpSpPr>
-          <p:cNvPr name="Group 2" id="2"/>
+          <p:cNvPr id="2" name="Group 2"/>
           <p:cNvGrpSpPr/>
           <p:nvPr/>
         </p:nvGrpSpPr>
         <p:grpSpPr>
-          <a:xfrm rot="0">
+          <a:xfrm>
             <a:off x="-276710" y="-176088"/>
             <a:ext cx="18564710" cy="969772"/>
             <a:chOff x="0" y="0"/>
@@ -4332,12 +4456,12 @@
         </p:grpSpPr>
         <p:sp>
           <p:nvSpPr>
-            <p:cNvPr name="Freeform 3" id="3"/>
+            <p:cNvPr id="3" name="Freeform 3"/>
             <p:cNvSpPr/>
             <p:nvPr/>
           </p:nvSpPr>
           <p:spPr>
-            <a:xfrm flipH="false" flipV="false" rot="0">
+            <a:xfrm>
               <a:off x="0" y="0"/>
               <a:ext cx="4889471" cy="255413"/>
             </a:xfrm>
@@ -4346,9 +4470,9 @@
               <a:gdLst/>
               <a:ahLst/>
               <a:cxnLst/>
-              <a:rect r="r" b="b" t="t" l="l"/>
+              <a:rect l="l" t="t" r="r" b="b"/>
               <a:pathLst>
-                <a:path h="255413" w="4889471">
+                <a:path w="4889471" h="255413">
                   <a:moveTo>
                     <a:pt x="0" y="0"/>
                   </a:moveTo>
@@ -4369,11 +4493,18 @@
               <a:srgbClr val="61A6AB"/>
             </a:solidFill>
           </p:spPr>
+          <p:txBody>
+            <a:bodyPr/>
+            <a:lstStyle/>
+            <a:p>
+              <a:endParaRPr lang="es-CR"/>
+            </a:p>
+          </p:txBody>
         </p:sp>
         <p:sp>
           <p:nvSpPr>
-            <p:cNvPr name="TextBox 4" id="4"/>
-            <p:cNvSpPr txBox="true"/>
+            <p:cNvPr id="4" name="TextBox 4"/>
+            <p:cNvSpPr txBox="1"/>
             <p:nvPr/>
           </p:nvSpPr>
           <p:spPr>
@@ -4386,7 +4517,7 @@
             </a:prstGeom>
           </p:spPr>
           <p:txBody>
-            <a:bodyPr anchor="ctr" rtlCol="false" tIns="50800" lIns="50800" bIns="50800" rIns="50800"/>
+            <a:bodyPr lIns="50800" tIns="50800" rIns="50800" bIns="50800" rtlCol="0" anchor="ctr"/>
             <a:lstStyle/>
             <a:p>
               <a:pPr algn="ctr">
@@ -4394,18 +4525,19 @@
                   <a:spcPts val="2659"/>
                 </a:lnSpc>
               </a:pPr>
+              <a:endParaRPr/>
             </a:p>
           </p:txBody>
         </p:sp>
       </p:grpSp>
       <p:sp>
         <p:nvSpPr>
-          <p:cNvPr name="TextBox 5" id="5"/>
-          <p:cNvSpPr txBox="true"/>
+          <p:cNvPr id="5" name="TextBox 5"/>
+          <p:cNvSpPr txBox="1"/>
           <p:nvPr/>
         </p:nvSpPr>
         <p:spPr>
-          <a:xfrm rot="0">
+          <a:xfrm>
             <a:off x="2008065" y="2752090"/>
             <a:ext cx="13181381" cy="6506210"/>
           </a:xfrm>
@@ -4414,12 +4546,12 @@
           </a:prstGeom>
         </p:spPr>
         <p:txBody>
-          <a:bodyPr anchor="t" rtlCol="false" tIns="0" lIns="0" bIns="0" rIns="0">
+          <a:bodyPr lIns="0" tIns="0" rIns="0" bIns="0" rtlCol="0" anchor="t">
             <a:spAutoFit/>
           </a:bodyPr>
           <a:lstStyle/>
           <a:p>
-            <a:pPr algn="l" marL="863596" indent="-431798" lvl="1">
+            <a:pPr marL="863596" lvl="1" indent="-431798" algn="l">
               <a:lnSpc>
                 <a:spcPts val="4719"/>
               </a:lnSpc>
@@ -4440,7 +4572,7 @@
             </a:r>
           </a:p>
           <a:p>
-            <a:pPr algn="l" marL="863596" indent="-431798" lvl="1">
+            <a:pPr marL="863596" lvl="1" indent="-431798" algn="l">
               <a:lnSpc>
                 <a:spcPts val="4719"/>
               </a:lnSpc>
@@ -4461,7 +4593,7 @@
             </a:r>
           </a:p>
           <a:p>
-            <a:pPr algn="l" marL="863596" indent="-431798" lvl="1">
+            <a:pPr marL="863596" lvl="1" indent="-431798" algn="l">
               <a:lnSpc>
                 <a:spcPts val="4719"/>
               </a:lnSpc>
@@ -4482,7 +4614,7 @@
             </a:r>
           </a:p>
           <a:p>
-            <a:pPr algn="l" marL="863596" indent="-431798" lvl="1">
+            <a:pPr marL="863596" lvl="1" indent="-431798" algn="l">
               <a:lnSpc>
                 <a:spcPts val="4719"/>
               </a:lnSpc>
@@ -4506,7 +4638,7 @@
       </p:sp>
       <p:grpSp>
         <p:nvGrpSpPr>
-          <p:cNvPr name="Group 6" id="6"/>
+          <p:cNvPr id="6" name="Group 6"/>
           <p:cNvGrpSpPr/>
           <p:nvPr/>
         </p:nvGrpSpPr>
@@ -4520,12 +4652,12 @@
         </p:grpSpPr>
         <p:sp>
           <p:nvSpPr>
-            <p:cNvPr name="Freeform 7" id="7"/>
+            <p:cNvPr id="7" name="Freeform 7"/>
             <p:cNvSpPr/>
             <p:nvPr/>
           </p:nvSpPr>
           <p:spPr>
-            <a:xfrm flipH="false" flipV="false" rot="0">
+            <a:xfrm>
               <a:off x="0" y="0"/>
               <a:ext cx="264750" cy="283335"/>
             </a:xfrm>
@@ -4534,9 +4666,9 @@
               <a:gdLst/>
               <a:ahLst/>
               <a:cxnLst/>
-              <a:rect r="r" b="b" t="t" l="l"/>
+              <a:rect l="l" t="t" r="r" b="b"/>
               <a:pathLst>
-                <a:path h="283335" w="264750">
+                <a:path w="264750" h="283335">
                   <a:moveTo>
                     <a:pt x="0" y="0"/>
                   </a:moveTo>
@@ -4557,11 +4689,18 @@
               <a:srgbClr val="FFCE6D"/>
             </a:solidFill>
           </p:spPr>
+          <p:txBody>
+            <a:bodyPr/>
+            <a:lstStyle/>
+            <a:p>
+              <a:endParaRPr lang="es-CR"/>
+            </a:p>
+          </p:txBody>
         </p:sp>
         <p:sp>
           <p:nvSpPr>
-            <p:cNvPr name="TextBox 8" id="8"/>
-            <p:cNvSpPr txBox="true"/>
+            <p:cNvPr id="8" name="TextBox 8"/>
+            <p:cNvSpPr txBox="1"/>
             <p:nvPr/>
           </p:nvSpPr>
           <p:spPr>
@@ -4574,7 +4713,7 @@
             </a:prstGeom>
           </p:spPr>
           <p:txBody>
-            <a:bodyPr anchor="ctr" rtlCol="false" tIns="50800" lIns="50800" bIns="50800" rIns="50800"/>
+            <a:bodyPr lIns="50800" tIns="50800" rIns="50800" bIns="50800" rtlCol="0" anchor="ctr"/>
             <a:lstStyle/>
             <a:p>
               <a:pPr algn="ctr">
@@ -4585,13 +4724,14 @@
                   <a:spcPct val="0"/>
                 </a:spcBef>
               </a:pPr>
+              <a:endParaRPr/>
             </a:p>
           </p:txBody>
         </p:sp>
       </p:grpSp>
       <p:grpSp>
         <p:nvGrpSpPr>
-          <p:cNvPr name="Group 9" id="9"/>
+          <p:cNvPr id="9" name="Group 9"/>
           <p:cNvGrpSpPr/>
           <p:nvPr/>
         </p:nvGrpSpPr>
@@ -4605,12 +4745,12 @@
         </p:grpSpPr>
         <p:sp>
           <p:nvSpPr>
-            <p:cNvPr name="Freeform 10" id="10"/>
+            <p:cNvPr id="10" name="Freeform 10"/>
             <p:cNvSpPr/>
             <p:nvPr/>
           </p:nvSpPr>
           <p:spPr>
-            <a:xfrm flipH="false" flipV="false" rot="0">
+            <a:xfrm>
               <a:off x="0" y="0"/>
               <a:ext cx="264750" cy="283335"/>
             </a:xfrm>
@@ -4619,9 +4759,9 @@
               <a:gdLst/>
               <a:ahLst/>
               <a:cxnLst/>
-              <a:rect r="r" b="b" t="t" l="l"/>
+              <a:rect l="l" t="t" r="r" b="b"/>
               <a:pathLst>
-                <a:path h="283335" w="264750">
+                <a:path w="264750" h="283335">
                   <a:moveTo>
                     <a:pt x="0" y="0"/>
                   </a:moveTo>
@@ -4642,11 +4782,18 @@
               <a:srgbClr val="FFCE6D"/>
             </a:solidFill>
           </p:spPr>
+          <p:txBody>
+            <a:bodyPr/>
+            <a:lstStyle/>
+            <a:p>
+              <a:endParaRPr lang="es-CR"/>
+            </a:p>
+          </p:txBody>
         </p:sp>
         <p:sp>
           <p:nvSpPr>
-            <p:cNvPr name="TextBox 11" id="11"/>
-            <p:cNvSpPr txBox="true"/>
+            <p:cNvPr id="11" name="TextBox 11"/>
+            <p:cNvSpPr txBox="1"/>
             <p:nvPr/>
           </p:nvSpPr>
           <p:spPr>
@@ -4659,7 +4806,7 @@
             </a:prstGeom>
           </p:spPr>
           <p:txBody>
-            <a:bodyPr anchor="ctr" rtlCol="false" tIns="50800" lIns="50800" bIns="50800" rIns="50800"/>
+            <a:bodyPr lIns="50800" tIns="50800" rIns="50800" bIns="50800" rtlCol="0" anchor="ctr"/>
             <a:lstStyle/>
             <a:p>
               <a:pPr algn="ctr">
@@ -4670,13 +4817,14 @@
                   <a:spcPct val="0"/>
                 </a:spcBef>
               </a:pPr>
+              <a:endParaRPr/>
             </a:p>
           </p:txBody>
         </p:sp>
       </p:grpSp>
       <p:grpSp>
         <p:nvGrpSpPr>
-          <p:cNvPr name="Group 12" id="12"/>
+          <p:cNvPr id="12" name="Group 12"/>
           <p:cNvGrpSpPr/>
           <p:nvPr/>
         </p:nvGrpSpPr>
@@ -4690,12 +4838,12 @@
         </p:grpSpPr>
         <p:sp>
           <p:nvSpPr>
-            <p:cNvPr name="Freeform 13" id="13"/>
+            <p:cNvPr id="13" name="Freeform 13"/>
             <p:cNvSpPr/>
             <p:nvPr/>
           </p:nvSpPr>
           <p:spPr>
-            <a:xfrm flipH="false" flipV="false" rot="0">
+            <a:xfrm>
               <a:off x="0" y="0"/>
               <a:ext cx="2079874" cy="283335"/>
             </a:xfrm>
@@ -4704,9 +4852,9 @@
               <a:gdLst/>
               <a:ahLst/>
               <a:cxnLst/>
-              <a:rect r="r" b="b" t="t" l="l"/>
+              <a:rect l="l" t="t" r="r" b="b"/>
               <a:pathLst>
-                <a:path h="283335" w="2079874">
+                <a:path w="2079874" h="283335">
                   <a:moveTo>
                     <a:pt x="0" y="0"/>
                   </a:moveTo>
@@ -4727,11 +4875,18 @@
               <a:srgbClr val="FFCE6D"/>
             </a:solidFill>
           </p:spPr>
+          <p:txBody>
+            <a:bodyPr/>
+            <a:lstStyle/>
+            <a:p>
+              <a:endParaRPr lang="es-CR"/>
+            </a:p>
+          </p:txBody>
         </p:sp>
         <p:sp>
           <p:nvSpPr>
-            <p:cNvPr name="TextBox 14" id="14"/>
-            <p:cNvSpPr txBox="true"/>
+            <p:cNvPr id="14" name="TextBox 14"/>
+            <p:cNvSpPr txBox="1"/>
             <p:nvPr/>
           </p:nvSpPr>
           <p:spPr>
@@ -4744,7 +4899,7 @@
             </a:prstGeom>
           </p:spPr>
           <p:txBody>
-            <a:bodyPr anchor="ctr" rtlCol="false" tIns="50800" lIns="50800" bIns="50800" rIns="50800"/>
+            <a:bodyPr lIns="50800" tIns="50800" rIns="50800" bIns="50800" rtlCol="0" anchor="ctr"/>
             <a:lstStyle/>
             <a:p>
               <a:pPr algn="ctr">
@@ -4755,18 +4910,19 @@
                   <a:spcPct val="0"/>
                 </a:spcBef>
               </a:pPr>
+              <a:endParaRPr/>
             </a:p>
           </p:txBody>
         </p:sp>
       </p:grpSp>
       <p:sp>
         <p:nvSpPr>
-          <p:cNvPr name="TextBox 15" id="15"/>
-          <p:cNvSpPr txBox="true"/>
+          <p:cNvPr id="15" name="TextBox 15"/>
+          <p:cNvSpPr txBox="1"/>
           <p:nvPr/>
         </p:nvSpPr>
         <p:spPr>
-          <a:xfrm rot="0">
+          <a:xfrm>
             <a:off x="2060073" y="1184847"/>
             <a:ext cx="7083927" cy="1427474"/>
           </a:xfrm>
@@ -4775,7 +4931,7 @@
           </a:prstGeom>
         </p:spPr>
         <p:txBody>
-          <a:bodyPr anchor="t" rtlCol="false" tIns="0" lIns="0" bIns="0" rIns="0">
+          <a:bodyPr lIns="0" tIns="0" rIns="0" bIns="0" rtlCol="0" anchor="t">
             <a:spAutoFit/>
           </a:bodyPr>
           <a:lstStyle/>
@@ -4809,13 +4965,14 @@
 </file>
 
 <file path=ppt/slides/slide4.xml><?xml version="1.0" encoding="utf-8"?>
-<p:sld xmlns:p="http://schemas.openxmlformats.org/presentationml/2006/main" xmlns:a="http://schemas.openxmlformats.org/drawingml/2006/main" xmlns:r="http://schemas.openxmlformats.org/officeDocument/2006/relationships">
+<p:sld xmlns:a="http://schemas.openxmlformats.org/drawingml/2006/main" xmlns:r="http://schemas.openxmlformats.org/officeDocument/2006/relationships" xmlns:p="http://schemas.openxmlformats.org/presentationml/2006/main">
   <p:cSld>
     <p:bg>
       <p:bgPr>
         <a:solidFill>
           <a:srgbClr val="6EB4B9"/>
         </a:solidFill>
+        <a:effectLst/>
       </p:bgPr>
     </p:bg>
     <p:spTree>
@@ -4834,21 +4991,21 @@
       </p:grpSpPr>
       <p:sp>
         <p:nvSpPr>
-          <p:cNvPr name="TextBox 2" id="2"/>
-          <p:cNvSpPr txBox="true"/>
+          <p:cNvPr id="2" name="TextBox 2"/>
+          <p:cNvSpPr txBox="1"/>
           <p:nvPr/>
         </p:nvSpPr>
         <p:spPr>
-          <a:xfrm rot="0">
+          <a:xfrm>
             <a:off x="1028700" y="5067300"/>
-            <a:ext cx="16230600" cy="4646930"/>
+            <a:ext cx="16230600" cy="4696478"/>
           </a:xfrm>
           <a:prstGeom prst="rect">
             <a:avLst/>
           </a:prstGeom>
         </p:spPr>
         <p:txBody>
-          <a:bodyPr anchor="t" rtlCol="false" tIns="0" lIns="0" bIns="0" rIns="0">
+          <a:bodyPr lIns="0" tIns="0" rIns="0" bIns="0" rtlCol="0" anchor="t">
             <a:spAutoFit/>
           </a:bodyPr>
           <a:lstStyle/>
@@ -4859,20 +5016,236 @@
               </a:lnSpc>
             </a:pPr>
             <a:r>
-              <a:rPr lang="en-US" sz="3799">
-                <a:solidFill>
-                  <a:srgbClr val="000000"/>
-                </a:solidFill>
-                <a:latin typeface="Proxima Nova"/>
-                <a:ea typeface="Proxima Nova"/>
-                <a:cs typeface="Proxima Nova"/>
-                <a:sym typeface="Proxima Nova"/>
-              </a:rPr>
-              <a:t>Sistema de auditoría automático que genera registros de cambios en los datos de las tablas de bases de datos:</a:t>
-            </a:r>
-          </a:p>
-          <a:p>
-            <a:pPr algn="l" marL="820417" indent="-410209" lvl="1">
+              <a:rPr lang="en-US" sz="3799" dirty="0">
+                <a:solidFill>
+                  <a:srgbClr val="000000"/>
+                </a:solidFill>
+                <a:latin typeface="Proxima Nova"/>
+                <a:ea typeface="Proxima Nova"/>
+                <a:cs typeface="Proxima Nova"/>
+                <a:sym typeface="Proxima Nova"/>
+              </a:rPr>
+              <a:t>Sistema de </a:t>
+            </a:r>
+            <a:r>
+              <a:rPr lang="en-US" sz="3799" dirty="0" err="1">
+                <a:solidFill>
+                  <a:srgbClr val="000000"/>
+                </a:solidFill>
+                <a:latin typeface="Proxima Nova"/>
+                <a:ea typeface="Proxima Nova"/>
+                <a:cs typeface="Proxima Nova"/>
+                <a:sym typeface="Proxima Nova"/>
+              </a:rPr>
+              <a:t>auditoría</a:t>
+            </a:r>
+            <a:r>
+              <a:rPr lang="en-US" sz="3799" dirty="0">
+                <a:solidFill>
+                  <a:srgbClr val="000000"/>
+                </a:solidFill>
+                <a:latin typeface="Proxima Nova"/>
+                <a:ea typeface="Proxima Nova"/>
+                <a:cs typeface="Proxima Nova"/>
+                <a:sym typeface="Proxima Nova"/>
+              </a:rPr>
+              <a:t> </a:t>
+            </a:r>
+            <a:r>
+              <a:rPr lang="en-US" sz="3799" dirty="0" err="1">
+                <a:solidFill>
+                  <a:srgbClr val="000000"/>
+                </a:solidFill>
+                <a:latin typeface="Proxima Nova"/>
+                <a:ea typeface="Proxima Nova"/>
+                <a:cs typeface="Proxima Nova"/>
+                <a:sym typeface="Proxima Nova"/>
+              </a:rPr>
+              <a:t>automático</a:t>
+            </a:r>
+            <a:r>
+              <a:rPr lang="en-US" sz="3799" dirty="0">
+                <a:solidFill>
+                  <a:srgbClr val="000000"/>
+                </a:solidFill>
+                <a:latin typeface="Proxima Nova"/>
+                <a:ea typeface="Proxima Nova"/>
+                <a:cs typeface="Proxima Nova"/>
+                <a:sym typeface="Proxima Nova"/>
+              </a:rPr>
+              <a:t> que genera </a:t>
+            </a:r>
+            <a:r>
+              <a:rPr lang="en-US" sz="3799" dirty="0" err="1">
+                <a:solidFill>
+                  <a:srgbClr val="000000"/>
+                </a:solidFill>
+                <a:latin typeface="Proxima Nova"/>
+                <a:ea typeface="Proxima Nova"/>
+                <a:cs typeface="Proxima Nova"/>
+                <a:sym typeface="Proxima Nova"/>
+              </a:rPr>
+              <a:t>registros</a:t>
+            </a:r>
+            <a:r>
+              <a:rPr lang="en-US" sz="3799" dirty="0">
+                <a:solidFill>
+                  <a:srgbClr val="000000"/>
+                </a:solidFill>
+                <a:latin typeface="Proxima Nova"/>
+                <a:ea typeface="Proxima Nova"/>
+                <a:cs typeface="Proxima Nova"/>
+                <a:sym typeface="Proxima Nova"/>
+              </a:rPr>
+              <a:t> de </a:t>
+            </a:r>
+            <a:r>
+              <a:rPr lang="en-US" sz="3799" dirty="0" err="1">
+                <a:solidFill>
+                  <a:srgbClr val="000000"/>
+                </a:solidFill>
+                <a:latin typeface="Proxima Nova"/>
+                <a:ea typeface="Proxima Nova"/>
+                <a:cs typeface="Proxima Nova"/>
+                <a:sym typeface="Proxima Nova"/>
+              </a:rPr>
+              <a:t>cambios</a:t>
+            </a:r>
+            <a:r>
+              <a:rPr lang="en-US" sz="3799" dirty="0">
+                <a:solidFill>
+                  <a:srgbClr val="000000"/>
+                </a:solidFill>
+                <a:latin typeface="Proxima Nova"/>
+                <a:ea typeface="Proxima Nova"/>
+                <a:cs typeface="Proxima Nova"/>
+                <a:sym typeface="Proxima Nova"/>
+              </a:rPr>
+              <a:t> </a:t>
+            </a:r>
+            <a:r>
+              <a:rPr lang="en-US" sz="3799" dirty="0" err="1">
+                <a:solidFill>
+                  <a:srgbClr val="000000"/>
+                </a:solidFill>
+                <a:latin typeface="Proxima Nova"/>
+                <a:ea typeface="Proxima Nova"/>
+                <a:cs typeface="Proxima Nova"/>
+                <a:sym typeface="Proxima Nova"/>
+              </a:rPr>
+              <a:t>en</a:t>
+            </a:r>
+            <a:r>
+              <a:rPr lang="en-US" sz="3799" dirty="0">
+                <a:solidFill>
+                  <a:srgbClr val="000000"/>
+                </a:solidFill>
+                <a:latin typeface="Proxima Nova"/>
+                <a:ea typeface="Proxima Nova"/>
+                <a:cs typeface="Proxima Nova"/>
+                <a:sym typeface="Proxima Nova"/>
+              </a:rPr>
+              <a:t> </a:t>
+            </a:r>
+            <a:r>
+              <a:rPr lang="en-US" sz="3799" dirty="0" err="1">
+                <a:solidFill>
+                  <a:srgbClr val="000000"/>
+                </a:solidFill>
+                <a:latin typeface="Proxima Nova"/>
+                <a:ea typeface="Proxima Nova"/>
+                <a:cs typeface="Proxima Nova"/>
+                <a:sym typeface="Proxima Nova"/>
+              </a:rPr>
+              <a:t>los</a:t>
+            </a:r>
+            <a:r>
+              <a:rPr lang="en-US" sz="3799" dirty="0">
+                <a:solidFill>
+                  <a:srgbClr val="000000"/>
+                </a:solidFill>
+                <a:latin typeface="Proxima Nova"/>
+                <a:ea typeface="Proxima Nova"/>
+                <a:cs typeface="Proxima Nova"/>
+                <a:sym typeface="Proxima Nova"/>
+              </a:rPr>
+              <a:t> </a:t>
+            </a:r>
+            <a:r>
+              <a:rPr lang="en-US" sz="3799" dirty="0" err="1">
+                <a:solidFill>
+                  <a:srgbClr val="000000"/>
+                </a:solidFill>
+                <a:latin typeface="Proxima Nova"/>
+                <a:ea typeface="Proxima Nova"/>
+                <a:cs typeface="Proxima Nova"/>
+                <a:sym typeface="Proxima Nova"/>
+              </a:rPr>
+              <a:t>datos</a:t>
+            </a:r>
+            <a:r>
+              <a:rPr lang="en-US" sz="3799" dirty="0">
+                <a:solidFill>
+                  <a:srgbClr val="000000"/>
+                </a:solidFill>
+                <a:latin typeface="Proxima Nova"/>
+                <a:ea typeface="Proxima Nova"/>
+                <a:cs typeface="Proxima Nova"/>
+                <a:sym typeface="Proxima Nova"/>
+              </a:rPr>
+              <a:t> de las </a:t>
+            </a:r>
+            <a:r>
+              <a:rPr lang="en-US" sz="3799" dirty="0" err="1">
+                <a:solidFill>
+                  <a:srgbClr val="000000"/>
+                </a:solidFill>
+                <a:latin typeface="Proxima Nova"/>
+                <a:ea typeface="Proxima Nova"/>
+                <a:cs typeface="Proxima Nova"/>
+                <a:sym typeface="Proxima Nova"/>
+              </a:rPr>
+              <a:t>tablas</a:t>
+            </a:r>
+            <a:r>
+              <a:rPr lang="en-US" sz="3799" dirty="0">
+                <a:solidFill>
+                  <a:srgbClr val="000000"/>
+                </a:solidFill>
+                <a:latin typeface="Proxima Nova"/>
+                <a:ea typeface="Proxima Nova"/>
+                <a:cs typeface="Proxima Nova"/>
+                <a:sym typeface="Proxima Nova"/>
+              </a:rPr>
+              <a:t> de bases de </a:t>
+            </a:r>
+            <a:r>
+              <a:rPr lang="en-US" sz="3799" dirty="0" err="1">
+                <a:solidFill>
+                  <a:srgbClr val="000000"/>
+                </a:solidFill>
+                <a:latin typeface="Proxima Nova"/>
+                <a:ea typeface="Proxima Nova"/>
+                <a:cs typeface="Proxima Nova"/>
+                <a:sym typeface="Proxima Nova"/>
+              </a:rPr>
+              <a:t>datos</a:t>
+            </a:r>
+            <a:r>
+              <a:rPr lang="en-US" sz="3799" dirty="0">
+                <a:solidFill>
+                  <a:srgbClr val="000000"/>
+                </a:solidFill>
+                <a:latin typeface="Proxima Nova"/>
+                <a:ea typeface="Proxima Nova"/>
+                <a:cs typeface="Proxima Nova"/>
+                <a:sym typeface="Proxima Nova"/>
+              </a:rPr>
+              <a:t>:</a:t>
+            </a:r>
+          </a:p>
+          <a:p>
+            <a:pPr marL="820417" lvl="1" indent="-410209" algn="l">
               <a:lnSpc>
                 <a:spcPts val="5319"/>
               </a:lnSpc>
@@ -4880,20 +5253,77 @@
               <a:buChar char="•"/>
             </a:pPr>
             <a:r>
-              <a:rPr lang="en-US" sz="3799">
-                <a:solidFill>
-                  <a:srgbClr val="000000"/>
-                </a:solidFill>
-                <a:latin typeface="Proxima Nova"/>
-                <a:ea typeface="Proxima Nova"/>
-                <a:cs typeface="Proxima Nova"/>
-                <a:sym typeface="Proxima Nova"/>
-              </a:rPr>
-              <a:t>Inserción de nuevos datos</a:t>
-            </a:r>
-          </a:p>
-          <a:p>
-            <a:pPr algn="l" marL="820417" indent="-410209" lvl="1">
+              <a:rPr lang="en-US" sz="3799" dirty="0" err="1">
+                <a:solidFill>
+                  <a:srgbClr val="000000"/>
+                </a:solidFill>
+                <a:latin typeface="Proxima Nova"/>
+                <a:ea typeface="Proxima Nova"/>
+                <a:cs typeface="Proxima Nova"/>
+                <a:sym typeface="Proxima Nova"/>
+              </a:rPr>
+              <a:t>Inserción</a:t>
+            </a:r>
+            <a:r>
+              <a:rPr lang="en-US" sz="3799" dirty="0">
+                <a:solidFill>
+                  <a:srgbClr val="000000"/>
+                </a:solidFill>
+                <a:latin typeface="Proxima Nova"/>
+                <a:ea typeface="Proxima Nova"/>
+                <a:cs typeface="Proxima Nova"/>
+                <a:sym typeface="Proxima Nova"/>
+              </a:rPr>
+              <a:t> de </a:t>
+            </a:r>
+            <a:r>
+              <a:rPr lang="en-US" sz="3799" dirty="0" err="1">
+                <a:solidFill>
+                  <a:srgbClr val="000000"/>
+                </a:solidFill>
+                <a:latin typeface="Proxima Nova"/>
+                <a:ea typeface="Proxima Nova"/>
+                <a:cs typeface="Proxima Nova"/>
+                <a:sym typeface="Proxima Nova"/>
+              </a:rPr>
+              <a:t>nuevos</a:t>
+            </a:r>
+            <a:r>
+              <a:rPr lang="en-US" sz="3799" dirty="0">
+                <a:solidFill>
+                  <a:srgbClr val="000000"/>
+                </a:solidFill>
+                <a:latin typeface="Proxima Nova"/>
+                <a:ea typeface="Proxima Nova"/>
+                <a:cs typeface="Proxima Nova"/>
+                <a:sym typeface="Proxima Nova"/>
+              </a:rPr>
+              <a:t> </a:t>
+            </a:r>
+            <a:r>
+              <a:rPr lang="en-US" sz="3799" dirty="0" err="1">
+                <a:solidFill>
+                  <a:srgbClr val="000000"/>
+                </a:solidFill>
+                <a:latin typeface="Proxima Nova"/>
+                <a:ea typeface="Proxima Nova"/>
+                <a:cs typeface="Proxima Nova"/>
+                <a:sym typeface="Proxima Nova"/>
+              </a:rPr>
+              <a:t>datos</a:t>
+            </a:r>
+            <a:endParaRPr lang="en-US" sz="3799" dirty="0">
+              <a:solidFill>
+                <a:srgbClr val="000000"/>
+              </a:solidFill>
+              <a:latin typeface="Proxima Nova"/>
+              <a:ea typeface="Proxima Nova"/>
+              <a:cs typeface="Proxima Nova"/>
+              <a:sym typeface="Proxima Nova"/>
+            </a:endParaRPr>
+          </a:p>
+          <a:p>
+            <a:pPr marL="820417" lvl="1" indent="-410209" algn="l">
               <a:lnSpc>
                 <a:spcPts val="5319"/>
               </a:lnSpc>
@@ -4901,20 +5331,77 @@
               <a:buChar char="•"/>
             </a:pPr>
             <a:r>
-              <a:rPr lang="en-US" sz="3799">
-                <a:solidFill>
-                  <a:srgbClr val="000000"/>
-                </a:solidFill>
-                <a:latin typeface="Proxima Nova"/>
-                <a:ea typeface="Proxima Nova"/>
-                <a:cs typeface="Proxima Nova"/>
-                <a:sym typeface="Proxima Nova"/>
-              </a:rPr>
-              <a:t>Modificación de datos viejos</a:t>
-            </a:r>
-          </a:p>
-          <a:p>
-            <a:pPr algn="l" marL="820417" indent="-410209" lvl="1">
+              <a:rPr lang="en-US" sz="3799" dirty="0" err="1">
+                <a:solidFill>
+                  <a:srgbClr val="000000"/>
+                </a:solidFill>
+                <a:latin typeface="Proxima Nova"/>
+                <a:ea typeface="Proxima Nova"/>
+                <a:cs typeface="Proxima Nova"/>
+                <a:sym typeface="Proxima Nova"/>
+              </a:rPr>
+              <a:t>Modificación</a:t>
+            </a:r>
+            <a:r>
+              <a:rPr lang="en-US" sz="3799" dirty="0">
+                <a:solidFill>
+                  <a:srgbClr val="000000"/>
+                </a:solidFill>
+                <a:latin typeface="Proxima Nova"/>
+                <a:ea typeface="Proxima Nova"/>
+                <a:cs typeface="Proxima Nova"/>
+                <a:sym typeface="Proxima Nova"/>
+              </a:rPr>
+              <a:t> de </a:t>
+            </a:r>
+            <a:r>
+              <a:rPr lang="en-US" sz="3799" dirty="0" err="1">
+                <a:solidFill>
+                  <a:srgbClr val="000000"/>
+                </a:solidFill>
+                <a:latin typeface="Proxima Nova"/>
+                <a:ea typeface="Proxima Nova"/>
+                <a:cs typeface="Proxima Nova"/>
+                <a:sym typeface="Proxima Nova"/>
+              </a:rPr>
+              <a:t>datos</a:t>
+            </a:r>
+            <a:r>
+              <a:rPr lang="en-US" sz="3799" dirty="0">
+                <a:solidFill>
+                  <a:srgbClr val="000000"/>
+                </a:solidFill>
+                <a:latin typeface="Proxima Nova"/>
+                <a:ea typeface="Proxima Nova"/>
+                <a:cs typeface="Proxima Nova"/>
+                <a:sym typeface="Proxima Nova"/>
+              </a:rPr>
+              <a:t> </a:t>
+            </a:r>
+            <a:r>
+              <a:rPr lang="en-US" sz="3799" dirty="0" err="1">
+                <a:solidFill>
+                  <a:srgbClr val="000000"/>
+                </a:solidFill>
+                <a:latin typeface="Proxima Nova"/>
+                <a:ea typeface="Proxima Nova"/>
+                <a:cs typeface="Proxima Nova"/>
+                <a:sym typeface="Proxima Nova"/>
+              </a:rPr>
+              <a:t>viejos</a:t>
+            </a:r>
+            <a:endParaRPr lang="en-US" sz="3799" dirty="0">
+              <a:solidFill>
+                <a:srgbClr val="000000"/>
+              </a:solidFill>
+              <a:latin typeface="Proxima Nova"/>
+              <a:ea typeface="Proxima Nova"/>
+              <a:cs typeface="Proxima Nova"/>
+              <a:sym typeface="Proxima Nova"/>
+            </a:endParaRPr>
+          </a:p>
+          <a:p>
+            <a:pPr marL="820417" lvl="1" indent="-410209" algn="l">
               <a:lnSpc>
                 <a:spcPts val="5319"/>
               </a:lnSpc>
@@ -4922,17 +5409,50 @@
               <a:buChar char="•"/>
             </a:pPr>
             <a:r>
-              <a:rPr lang="en-US" sz="3799">
-                <a:solidFill>
-                  <a:srgbClr val="000000"/>
-                </a:solidFill>
-                <a:latin typeface="Proxima Nova"/>
-                <a:ea typeface="Proxima Nova"/>
-                <a:cs typeface="Proxima Nova"/>
-                <a:sym typeface="Proxima Nova"/>
-              </a:rPr>
-              <a:t>Eliminación de datos</a:t>
-            </a:r>
+              <a:rPr lang="en-US" sz="3799" dirty="0" err="1">
+                <a:solidFill>
+                  <a:srgbClr val="000000"/>
+                </a:solidFill>
+                <a:latin typeface="Proxima Nova"/>
+                <a:ea typeface="Proxima Nova"/>
+                <a:cs typeface="Proxima Nova"/>
+                <a:sym typeface="Proxima Nova"/>
+              </a:rPr>
+              <a:t>Eliminación</a:t>
+            </a:r>
+            <a:r>
+              <a:rPr lang="en-US" sz="3799" dirty="0">
+                <a:solidFill>
+                  <a:srgbClr val="000000"/>
+                </a:solidFill>
+                <a:latin typeface="Proxima Nova"/>
+                <a:ea typeface="Proxima Nova"/>
+                <a:cs typeface="Proxima Nova"/>
+                <a:sym typeface="Proxima Nova"/>
+              </a:rPr>
+              <a:t> de </a:t>
+            </a:r>
+            <a:r>
+              <a:rPr lang="en-US" sz="3799" dirty="0" err="1">
+                <a:solidFill>
+                  <a:srgbClr val="000000"/>
+                </a:solidFill>
+                <a:latin typeface="Proxima Nova"/>
+                <a:ea typeface="Proxima Nova"/>
+                <a:cs typeface="Proxima Nova"/>
+                <a:sym typeface="Proxima Nova"/>
+              </a:rPr>
+              <a:t>datos</a:t>
+            </a:r>
+            <a:endParaRPr lang="en-US" sz="3799" dirty="0">
+              <a:solidFill>
+                <a:srgbClr val="000000"/>
+              </a:solidFill>
+              <a:latin typeface="Proxima Nova"/>
+              <a:ea typeface="Proxima Nova"/>
+              <a:cs typeface="Proxima Nova"/>
+              <a:sym typeface="Proxima Nova"/>
+            </a:endParaRPr>
           </a:p>
           <a:p>
             <a:pPr algn="l">
@@ -4941,6 +5461,282 @@
               </a:lnSpc>
             </a:pPr>
             <a:r>
+              <a:rPr lang="en-US" sz="3799" dirty="0" err="1">
+                <a:solidFill>
+                  <a:srgbClr val="000000"/>
+                </a:solidFill>
+                <a:latin typeface="Proxima Nova"/>
+                <a:ea typeface="Proxima Nova"/>
+                <a:cs typeface="Proxima Nova"/>
+                <a:sym typeface="Proxima Nova"/>
+              </a:rPr>
+              <a:t>Además</a:t>
+            </a:r>
+            <a:r>
+              <a:rPr lang="en-US" sz="3799" dirty="0">
+                <a:solidFill>
+                  <a:srgbClr val="000000"/>
+                </a:solidFill>
+                <a:latin typeface="Proxima Nova"/>
+                <a:ea typeface="Proxima Nova"/>
+                <a:cs typeface="Proxima Nova"/>
+                <a:sym typeface="Proxima Nova"/>
+              </a:rPr>
+              <a:t> se </a:t>
+            </a:r>
+            <a:r>
+              <a:rPr lang="en-US" sz="3799" dirty="0" err="1">
+                <a:solidFill>
+                  <a:srgbClr val="000000"/>
+                </a:solidFill>
+                <a:latin typeface="Proxima Nova"/>
+                <a:ea typeface="Proxima Nova"/>
+                <a:cs typeface="Proxima Nova"/>
+                <a:sym typeface="Proxima Nova"/>
+              </a:rPr>
+              <a:t>detecta</a:t>
+            </a:r>
+            <a:r>
+              <a:rPr lang="en-US" sz="3799" dirty="0">
+                <a:solidFill>
+                  <a:srgbClr val="000000"/>
+                </a:solidFill>
+                <a:latin typeface="Proxima Nova"/>
+                <a:ea typeface="Proxima Nova"/>
+                <a:cs typeface="Proxima Nova"/>
+                <a:sym typeface="Proxima Nova"/>
+              </a:rPr>
+              <a:t> </a:t>
+            </a:r>
+            <a:r>
+              <a:rPr lang="en-US" sz="3799" dirty="0" err="1">
+                <a:solidFill>
+                  <a:srgbClr val="000000"/>
+                </a:solidFill>
+                <a:latin typeface="Proxima Nova"/>
+                <a:ea typeface="Proxima Nova"/>
+                <a:cs typeface="Proxima Nova"/>
+                <a:sym typeface="Proxima Nova"/>
+              </a:rPr>
+              <a:t>el</a:t>
+            </a:r>
+            <a:r>
+              <a:rPr lang="en-US" sz="3799" dirty="0">
+                <a:solidFill>
+                  <a:srgbClr val="000000"/>
+                </a:solidFill>
+                <a:latin typeface="Proxima Nova"/>
+                <a:ea typeface="Proxima Nova"/>
+                <a:cs typeface="Proxima Nova"/>
+                <a:sym typeface="Proxima Nova"/>
+              </a:rPr>
+              <a:t> </a:t>
+            </a:r>
+            <a:r>
+              <a:rPr lang="en-US" sz="3799" dirty="0" err="1">
+                <a:solidFill>
+                  <a:srgbClr val="000000"/>
+                </a:solidFill>
+                <a:latin typeface="Proxima Nova"/>
+                <a:ea typeface="Proxima Nova"/>
+                <a:cs typeface="Proxima Nova"/>
+                <a:sym typeface="Proxima Nova"/>
+              </a:rPr>
+              <a:t>rol</a:t>
+            </a:r>
+            <a:r>
+              <a:rPr lang="en-US" sz="3799" dirty="0">
+                <a:solidFill>
+                  <a:srgbClr val="000000"/>
+                </a:solidFill>
+                <a:latin typeface="Proxima Nova"/>
+                <a:ea typeface="Proxima Nova"/>
+                <a:cs typeface="Proxima Nova"/>
+                <a:sym typeface="Proxima Nova"/>
+              </a:rPr>
+              <a:t> y la </a:t>
+            </a:r>
+            <a:r>
+              <a:rPr lang="en-US" sz="3799" dirty="0" err="1">
+                <a:solidFill>
+                  <a:srgbClr val="000000"/>
+                </a:solidFill>
+                <a:latin typeface="Proxima Nova"/>
+                <a:ea typeface="Proxima Nova"/>
+                <a:cs typeface="Proxima Nova"/>
+                <a:sym typeface="Proxima Nova"/>
+              </a:rPr>
+              <a:t>ip</a:t>
+            </a:r>
+            <a:r>
+              <a:rPr lang="en-US" sz="3799" dirty="0">
+                <a:solidFill>
+                  <a:srgbClr val="000000"/>
+                </a:solidFill>
+                <a:latin typeface="Proxima Nova"/>
+                <a:ea typeface="Proxima Nova"/>
+                <a:cs typeface="Proxima Nova"/>
+                <a:sym typeface="Proxima Nova"/>
+              </a:rPr>
+              <a:t> del </a:t>
+            </a:r>
+            <a:r>
+              <a:rPr lang="en-US" sz="3799" dirty="0" err="1">
+                <a:solidFill>
+                  <a:srgbClr val="000000"/>
+                </a:solidFill>
+                <a:latin typeface="Proxima Nova"/>
+                <a:ea typeface="Proxima Nova"/>
+                <a:cs typeface="Proxima Nova"/>
+                <a:sym typeface="Proxima Nova"/>
+              </a:rPr>
+              <a:t>usuario</a:t>
+            </a:r>
+            <a:r>
+              <a:rPr lang="en-US" sz="3799" dirty="0">
+                <a:solidFill>
+                  <a:srgbClr val="000000"/>
+                </a:solidFill>
+                <a:latin typeface="Proxima Nova"/>
+                <a:ea typeface="Proxima Nova"/>
+                <a:cs typeface="Proxima Nova"/>
+                <a:sym typeface="Proxima Nova"/>
+              </a:rPr>
+              <a:t> que </a:t>
+            </a:r>
+            <a:r>
+              <a:rPr lang="en-US" sz="3799" dirty="0" err="1">
+                <a:solidFill>
+                  <a:srgbClr val="000000"/>
+                </a:solidFill>
+                <a:latin typeface="Proxima Nova"/>
+                <a:ea typeface="Proxima Nova"/>
+                <a:cs typeface="Proxima Nova"/>
+                <a:sym typeface="Proxima Nova"/>
+              </a:rPr>
+              <a:t>hizo</a:t>
+            </a:r>
+            <a:r>
+              <a:rPr lang="en-US" sz="3799" dirty="0">
+                <a:solidFill>
+                  <a:srgbClr val="000000"/>
+                </a:solidFill>
+                <a:latin typeface="Proxima Nova"/>
+                <a:ea typeface="Proxima Nova"/>
+                <a:cs typeface="Proxima Nova"/>
+                <a:sym typeface="Proxima Nova"/>
+              </a:rPr>
+              <a:t> </a:t>
+            </a:r>
+            <a:r>
+              <a:rPr lang="en-US" sz="3799" dirty="0" err="1">
+                <a:solidFill>
+                  <a:srgbClr val="000000"/>
+                </a:solidFill>
+                <a:latin typeface="Proxima Nova"/>
+                <a:ea typeface="Proxima Nova"/>
+                <a:cs typeface="Proxima Nova"/>
+                <a:sym typeface="Proxima Nova"/>
+              </a:rPr>
+              <a:t>los</a:t>
+            </a:r>
+            <a:r>
+              <a:rPr lang="en-US" sz="3799" dirty="0">
+                <a:solidFill>
+                  <a:srgbClr val="000000"/>
+                </a:solidFill>
+                <a:latin typeface="Proxima Nova"/>
+                <a:ea typeface="Proxima Nova"/>
+                <a:cs typeface="Proxima Nova"/>
+                <a:sym typeface="Proxima Nova"/>
+              </a:rPr>
+              <a:t> </a:t>
+            </a:r>
+            <a:r>
+              <a:rPr lang="en-US" sz="3799" dirty="0" err="1">
+                <a:solidFill>
+                  <a:srgbClr val="000000"/>
+                </a:solidFill>
+                <a:latin typeface="Proxima Nova"/>
+                <a:ea typeface="Proxima Nova"/>
+                <a:cs typeface="Proxima Nova"/>
+                <a:sym typeface="Proxima Nova"/>
+              </a:rPr>
+              <a:t>cambios</a:t>
+            </a:r>
+            <a:r>
+              <a:rPr lang="en-US" sz="3799" dirty="0">
+                <a:solidFill>
+                  <a:srgbClr val="000000"/>
+                </a:solidFill>
+                <a:latin typeface="Proxima Nova"/>
+                <a:ea typeface="Proxima Nova"/>
+                <a:cs typeface="Proxima Nova"/>
+                <a:sym typeface="Proxima Nova"/>
+              </a:rPr>
+              <a:t>, </a:t>
+            </a:r>
+            <a:r>
+              <a:rPr lang="en-US" sz="3799" dirty="0" err="1">
+                <a:solidFill>
+                  <a:srgbClr val="000000"/>
+                </a:solidFill>
+                <a:latin typeface="Proxima Nova"/>
+                <a:ea typeface="Proxima Nova"/>
+                <a:cs typeface="Proxima Nova"/>
+                <a:sym typeface="Proxima Nova"/>
+              </a:rPr>
+              <a:t>por</a:t>
+            </a:r>
+            <a:r>
+              <a:rPr lang="en-US" sz="3799" dirty="0">
+                <a:solidFill>
+                  <a:srgbClr val="000000"/>
+                </a:solidFill>
+                <a:latin typeface="Proxima Nova"/>
+                <a:ea typeface="Proxima Nova"/>
+                <a:cs typeface="Proxima Nova"/>
+                <a:sym typeface="Proxima Nova"/>
+              </a:rPr>
+              <a:t> medio de </a:t>
+            </a:r>
+            <a:r>
+              <a:rPr lang="en-US" sz="3799" dirty="0" err="1">
+                <a:solidFill>
+                  <a:srgbClr val="000000"/>
+                </a:solidFill>
+                <a:latin typeface="Proxima Nova"/>
+                <a:ea typeface="Proxima Nova"/>
+                <a:cs typeface="Proxima Nova"/>
+                <a:sym typeface="Proxima Nova"/>
+              </a:rPr>
+              <a:t>esta</a:t>
+            </a:r>
+            <a:r>
+              <a:rPr lang="en-US" sz="3799" dirty="0">
+                <a:solidFill>
+                  <a:srgbClr val="000000"/>
+                </a:solidFill>
+                <a:latin typeface="Proxima Nova"/>
+                <a:ea typeface="Proxima Nova"/>
+                <a:cs typeface="Proxima Nova"/>
+                <a:sym typeface="Proxima Nova"/>
+              </a:rPr>
+              <a:t> </a:t>
+            </a:r>
+            <a:r>
+              <a:rPr lang="en-US" sz="3799" dirty="0" err="1">
+                <a:solidFill>
+                  <a:srgbClr val="000000"/>
+                </a:solidFill>
+                <a:latin typeface="Proxima Nova"/>
+                <a:ea typeface="Proxima Nova"/>
+                <a:cs typeface="Proxima Nova"/>
+                <a:sym typeface="Proxima Nova"/>
+              </a:rPr>
+              <a:t>ip</a:t>
+            </a:r>
+            <a:r>
               <a:rPr lang="en-US" sz="3799">
                 <a:solidFill>
                   <a:srgbClr val="000000"/>
@@ -4950,19 +5746,211 @@
                 <a:cs typeface="Proxima Nova"/>
                 <a:sym typeface="Proxima Nova"/>
               </a:rPr>
-              <a:t>Además se detecta el rol y la ip del usuario que hizo los cambios, por medio de esta ip, Aarón sabrá quién en su empresa hizo x cosa con las tablas.</a:t>
+              <a:t>, Rafael </a:t>
+            </a:r>
+            <a:r>
+              <a:rPr lang="en-US" sz="3799" dirty="0" err="1">
+                <a:solidFill>
+                  <a:srgbClr val="000000"/>
+                </a:solidFill>
+                <a:latin typeface="Proxima Nova"/>
+                <a:ea typeface="Proxima Nova"/>
+                <a:cs typeface="Proxima Nova"/>
+                <a:sym typeface="Proxima Nova"/>
+              </a:rPr>
+              <a:t>sabrá</a:t>
+            </a:r>
+            <a:r>
+              <a:rPr lang="en-US" sz="3799" dirty="0">
+                <a:solidFill>
+                  <a:srgbClr val="000000"/>
+                </a:solidFill>
+                <a:latin typeface="Proxima Nova"/>
+                <a:ea typeface="Proxima Nova"/>
+                <a:cs typeface="Proxima Nova"/>
+                <a:sym typeface="Proxima Nova"/>
+              </a:rPr>
+              <a:t> </a:t>
+            </a:r>
+            <a:r>
+              <a:rPr lang="en-US" sz="3799" dirty="0" err="1">
+                <a:solidFill>
+                  <a:srgbClr val="000000"/>
+                </a:solidFill>
+                <a:latin typeface="Proxima Nova"/>
+                <a:ea typeface="Proxima Nova"/>
+                <a:cs typeface="Proxima Nova"/>
+                <a:sym typeface="Proxima Nova"/>
+              </a:rPr>
+              <a:t>quién</a:t>
+            </a:r>
+            <a:r>
+              <a:rPr lang="en-US" sz="3799" dirty="0">
+                <a:solidFill>
+                  <a:srgbClr val="000000"/>
+                </a:solidFill>
+                <a:latin typeface="Proxima Nova"/>
+                <a:ea typeface="Proxima Nova"/>
+                <a:cs typeface="Proxima Nova"/>
+                <a:sym typeface="Proxima Nova"/>
+              </a:rPr>
+              <a:t> </a:t>
+            </a:r>
+            <a:r>
+              <a:rPr lang="en-US" sz="3799" dirty="0" err="1">
+                <a:solidFill>
+                  <a:srgbClr val="000000"/>
+                </a:solidFill>
+                <a:latin typeface="Proxima Nova"/>
+                <a:ea typeface="Proxima Nova"/>
+                <a:cs typeface="Proxima Nova"/>
+                <a:sym typeface="Proxima Nova"/>
+              </a:rPr>
+              <a:t>en</a:t>
+            </a:r>
+            <a:r>
+              <a:rPr lang="en-US" sz="3799" dirty="0">
+                <a:solidFill>
+                  <a:srgbClr val="000000"/>
+                </a:solidFill>
+                <a:latin typeface="Proxima Nova"/>
+                <a:ea typeface="Proxima Nova"/>
+                <a:cs typeface="Proxima Nova"/>
+                <a:sym typeface="Proxima Nova"/>
+              </a:rPr>
+              <a:t> </a:t>
+            </a:r>
+            <a:r>
+              <a:rPr lang="en-US" sz="3799" dirty="0" err="1">
+                <a:solidFill>
+                  <a:srgbClr val="000000"/>
+                </a:solidFill>
+                <a:latin typeface="Proxima Nova"/>
+                <a:ea typeface="Proxima Nova"/>
+                <a:cs typeface="Proxima Nova"/>
+                <a:sym typeface="Proxima Nova"/>
+              </a:rPr>
+              <a:t>su</a:t>
+            </a:r>
+            <a:r>
+              <a:rPr lang="en-US" sz="3799" dirty="0">
+                <a:solidFill>
+                  <a:srgbClr val="000000"/>
+                </a:solidFill>
+                <a:latin typeface="Proxima Nova"/>
+                <a:ea typeface="Proxima Nova"/>
+                <a:cs typeface="Proxima Nova"/>
+                <a:sym typeface="Proxima Nova"/>
+              </a:rPr>
+              <a:t> </a:t>
+            </a:r>
+            <a:r>
+              <a:rPr lang="en-US" sz="3799" dirty="0" err="1">
+                <a:solidFill>
+                  <a:srgbClr val="000000"/>
+                </a:solidFill>
+                <a:latin typeface="Proxima Nova"/>
+                <a:ea typeface="Proxima Nova"/>
+                <a:cs typeface="Proxima Nova"/>
+                <a:sym typeface="Proxima Nova"/>
+              </a:rPr>
+              <a:t>empresa</a:t>
+            </a:r>
+            <a:r>
+              <a:rPr lang="en-US" sz="3799" dirty="0">
+                <a:solidFill>
+                  <a:srgbClr val="000000"/>
+                </a:solidFill>
+                <a:latin typeface="Proxima Nova"/>
+                <a:ea typeface="Proxima Nova"/>
+                <a:cs typeface="Proxima Nova"/>
+                <a:sym typeface="Proxima Nova"/>
+              </a:rPr>
+              <a:t> </a:t>
+            </a:r>
+            <a:r>
+              <a:rPr lang="en-US" sz="3799" dirty="0" err="1">
+                <a:solidFill>
+                  <a:srgbClr val="000000"/>
+                </a:solidFill>
+                <a:latin typeface="Proxima Nova"/>
+                <a:ea typeface="Proxima Nova"/>
+                <a:cs typeface="Proxima Nova"/>
+                <a:sym typeface="Proxima Nova"/>
+              </a:rPr>
+              <a:t>hizo</a:t>
+            </a:r>
+            <a:r>
+              <a:rPr lang="en-US" sz="3799" dirty="0">
+                <a:solidFill>
+                  <a:srgbClr val="000000"/>
+                </a:solidFill>
+                <a:latin typeface="Proxima Nova"/>
+                <a:ea typeface="Proxima Nova"/>
+                <a:cs typeface="Proxima Nova"/>
+                <a:sym typeface="Proxima Nova"/>
+              </a:rPr>
+              <a:t> x </a:t>
+            </a:r>
+            <a:r>
+              <a:rPr lang="en-US" sz="3799" dirty="0" err="1">
+                <a:solidFill>
+                  <a:srgbClr val="000000"/>
+                </a:solidFill>
+                <a:latin typeface="Proxima Nova"/>
+                <a:ea typeface="Proxima Nova"/>
+                <a:cs typeface="Proxima Nova"/>
+                <a:sym typeface="Proxima Nova"/>
+              </a:rPr>
+              <a:t>cosa</a:t>
+            </a:r>
+            <a:r>
+              <a:rPr lang="en-US" sz="3799" dirty="0">
+                <a:solidFill>
+                  <a:srgbClr val="000000"/>
+                </a:solidFill>
+                <a:latin typeface="Proxima Nova"/>
+                <a:ea typeface="Proxima Nova"/>
+                <a:cs typeface="Proxima Nova"/>
+                <a:sym typeface="Proxima Nova"/>
+              </a:rPr>
+              <a:t> con las </a:t>
+            </a:r>
+            <a:r>
+              <a:rPr lang="en-US" sz="3799" dirty="0" err="1">
+                <a:solidFill>
+                  <a:srgbClr val="000000"/>
+                </a:solidFill>
+                <a:latin typeface="Proxima Nova"/>
+                <a:ea typeface="Proxima Nova"/>
+                <a:cs typeface="Proxima Nova"/>
+                <a:sym typeface="Proxima Nova"/>
+              </a:rPr>
+              <a:t>tablas</a:t>
+            </a:r>
+            <a:r>
+              <a:rPr lang="en-US" sz="3799" dirty="0">
+                <a:solidFill>
+                  <a:srgbClr val="000000"/>
+                </a:solidFill>
+                <a:latin typeface="Proxima Nova"/>
+                <a:ea typeface="Proxima Nova"/>
+                <a:cs typeface="Proxima Nova"/>
+                <a:sym typeface="Proxima Nova"/>
+              </a:rPr>
+              <a:t>.</a:t>
             </a:r>
           </a:p>
         </p:txBody>
       </p:sp>
       <p:grpSp>
         <p:nvGrpSpPr>
-          <p:cNvPr name="Group 3" id="3"/>
+          <p:cNvPr id="3" name="Group 3"/>
           <p:cNvGrpSpPr/>
           <p:nvPr/>
         </p:nvGrpSpPr>
         <p:grpSpPr>
-          <a:xfrm rot="0">
+          <a:xfrm>
             <a:off x="2900929" y="1549112"/>
             <a:ext cx="13282452" cy="2759614"/>
             <a:chOff x="0" y="0"/>
@@ -4971,12 +5959,12 @@
         </p:grpSpPr>
         <p:sp>
           <p:nvSpPr>
-            <p:cNvPr name="Freeform 4" id="4"/>
+            <p:cNvPr id="4" name="Freeform 4"/>
             <p:cNvSpPr/>
             <p:nvPr/>
           </p:nvSpPr>
           <p:spPr>
-            <a:xfrm flipH="false" flipV="false" rot="0">
+            <a:xfrm>
               <a:off x="0" y="0"/>
               <a:ext cx="4390461" cy="912179"/>
             </a:xfrm>
@@ -4985,9 +5973,9 @@
               <a:gdLst/>
               <a:ahLst/>
               <a:cxnLst/>
-              <a:rect r="r" b="b" t="t" l="l"/>
+              <a:rect l="l" t="t" r="r" b="b"/>
               <a:pathLst>
-                <a:path h="912179" w="4390461">
+                <a:path w="4390461" h="912179">
                   <a:moveTo>
                     <a:pt x="29726" y="0"/>
                   </a:moveTo>
@@ -5036,11 +6024,18 @@
               <a:srgbClr val="000000"/>
             </a:solidFill>
           </p:spPr>
+          <p:txBody>
+            <a:bodyPr/>
+            <a:lstStyle/>
+            <a:p>
+              <a:endParaRPr lang="es-CR"/>
+            </a:p>
+          </p:txBody>
         </p:sp>
         <p:sp>
           <p:nvSpPr>
-            <p:cNvPr name="TextBox 5" id="5"/>
-            <p:cNvSpPr txBox="true"/>
+            <p:cNvPr id="5" name="TextBox 5"/>
+            <p:cNvSpPr txBox="1"/>
             <p:nvPr/>
           </p:nvSpPr>
           <p:spPr>
@@ -5053,7 +6048,7 @@
             </a:prstGeom>
           </p:spPr>
           <p:txBody>
-            <a:bodyPr anchor="ctr" rtlCol="false" tIns="50800" lIns="50800" bIns="50800" rIns="50800"/>
+            <a:bodyPr lIns="50800" tIns="50800" rIns="50800" bIns="50800" rtlCol="0" anchor="ctr"/>
             <a:lstStyle/>
             <a:p>
               <a:pPr algn="ctr">
@@ -5061,18 +6056,19 @@
                   <a:spcPts val="2659"/>
                 </a:lnSpc>
               </a:pPr>
+              <a:endParaRPr/>
             </a:p>
           </p:txBody>
         </p:sp>
       </p:grpSp>
       <p:grpSp>
         <p:nvGrpSpPr>
-          <p:cNvPr name="Group 6" id="6"/>
+          <p:cNvPr id="6" name="Group 6"/>
           <p:cNvGrpSpPr/>
           <p:nvPr/>
         </p:nvGrpSpPr>
         <p:grpSpPr>
-          <a:xfrm rot="0">
+          <a:xfrm>
             <a:off x="1703165" y="827077"/>
             <a:ext cx="3491175" cy="3491175"/>
             <a:chOff x="0" y="0"/>
@@ -5081,12 +6077,12 @@
         </p:grpSpPr>
         <p:sp>
           <p:nvSpPr>
-            <p:cNvPr name="Freeform 7" id="7"/>
+            <p:cNvPr id="7" name="Freeform 7"/>
             <p:cNvSpPr/>
             <p:nvPr/>
           </p:nvSpPr>
           <p:spPr>
-            <a:xfrm flipH="false" flipV="false" rot="0">
+            <a:xfrm>
               <a:off x="0" y="0"/>
               <a:ext cx="812800" cy="812800"/>
             </a:xfrm>
@@ -5095,9 +6091,9 @@
               <a:gdLst/>
               <a:ahLst/>
               <a:cxnLst/>
-              <a:rect r="r" b="b" t="t" l="l"/>
+              <a:rect l="l" t="t" r="r" b="b"/>
               <a:pathLst>
-                <a:path h="812800" w="812800">
+                <a:path w="812800" h="812800">
                   <a:moveTo>
                     <a:pt x="406400" y="0"/>
                   </a:moveTo>
@@ -5136,11 +6132,18 @@
               <a:miter/>
             </a:ln>
           </p:spPr>
+          <p:txBody>
+            <a:bodyPr/>
+            <a:lstStyle/>
+            <a:p>
+              <a:endParaRPr lang="es-CR"/>
+            </a:p>
+          </p:txBody>
         </p:sp>
         <p:sp>
           <p:nvSpPr>
-            <p:cNvPr name="TextBox 8" id="8"/>
-            <p:cNvSpPr txBox="true"/>
+            <p:cNvPr id="8" name="TextBox 8"/>
+            <p:cNvSpPr txBox="1"/>
             <p:nvPr/>
           </p:nvSpPr>
           <p:spPr>
@@ -5153,7 +6156,7 @@
             </a:prstGeom>
           </p:spPr>
           <p:txBody>
-            <a:bodyPr anchor="ctr" rtlCol="false" tIns="50800" lIns="50800" bIns="50800" rIns="50800"/>
+            <a:bodyPr lIns="50800" tIns="50800" rIns="50800" bIns="50800" rtlCol="0" anchor="ctr"/>
             <a:lstStyle/>
             <a:p>
               <a:pPr algn="ctr">
@@ -5161,18 +6164,19 @@
                   <a:spcPts val="2659"/>
                 </a:lnSpc>
               </a:pPr>
+              <a:endParaRPr/>
             </a:p>
           </p:txBody>
         </p:sp>
       </p:grpSp>
       <p:sp>
         <p:nvSpPr>
-          <p:cNvPr name="Freeform 9" id="9"/>
+          <p:cNvPr id="9" name="Freeform 9"/>
           <p:cNvSpPr/>
           <p:nvPr/>
         </p:nvSpPr>
         <p:spPr>
-          <a:xfrm flipH="false" flipV="false" rot="0">
+          <a:xfrm>
             <a:off x="2441469" y="1827834"/>
             <a:ext cx="2014566" cy="1808073"/>
           </a:xfrm>
@@ -5181,9 +6185,9 @@
             <a:gdLst/>
             <a:ahLst/>
             <a:cxnLst/>
-            <a:rect r="r" b="b" t="t" l="l"/>
+            <a:rect l="l" t="t" r="r" b="b"/>
             <a:pathLst>
-              <a:path h="1808073" w="2014566">
+              <a:path w="2014566" h="1808073">
                 <a:moveTo>
                   <a:pt x="0" y="0"/>
                 </a:moveTo>
@@ -5212,19 +6216,26 @@
               </a:extLst>
             </a:blip>
             <a:stretch>
-              <a:fillRect l="0" t="0" r="0" b="0"/>
+              <a:fillRect/>
             </a:stretch>
           </a:blipFill>
         </p:spPr>
-      </p:sp>
-      <p:sp>
-        <p:nvSpPr>
-          <p:cNvPr name="TextBox 10" id="10"/>
-          <p:cNvSpPr txBox="true"/>
+        <p:txBody>
+          <a:bodyPr/>
+          <a:lstStyle/>
+          <a:p>
+            <a:endParaRPr lang="es-CR"/>
+          </a:p>
+        </p:txBody>
+      </p:sp>
+      <p:sp>
+        <p:nvSpPr>
+          <p:cNvPr id="10" name="TextBox 10"/>
+          <p:cNvSpPr txBox="1"/>
           <p:nvPr/>
         </p:nvSpPr>
         <p:spPr>
-          <a:xfrm rot="0">
+          <a:xfrm>
             <a:off x="6512752" y="2094211"/>
             <a:ext cx="8010560" cy="1640841"/>
           </a:xfrm>
@@ -5233,7 +6244,7 @@
           </a:prstGeom>
         </p:spPr>
         <p:txBody>
-          <a:bodyPr anchor="t" rtlCol="false" tIns="0" lIns="0" bIns="0" rIns="0">
+          <a:bodyPr lIns="0" tIns="0" rIns="0" bIns="0" rtlCol="0" anchor="t">
             <a:spAutoFit/>
           </a:bodyPr>
           <a:lstStyle/>
@@ -5244,7 +6255,7 @@
               </a:lnSpc>
             </a:pPr>
             <a:r>
-              <a:rPr lang="en-US" sz="9499" b="true">
+              <a:rPr lang="en-US" sz="9499" b="1">
                 <a:solidFill>
                   <a:srgbClr val="F6F6E9"/>
                 </a:solidFill>
@@ -5267,13 +6278,14 @@
 </file>
 
 <file path=ppt/slides/slide5.xml><?xml version="1.0" encoding="utf-8"?>
-<p:sld xmlns:p="http://schemas.openxmlformats.org/presentationml/2006/main" xmlns:a="http://schemas.openxmlformats.org/drawingml/2006/main" xmlns:r="http://schemas.openxmlformats.org/officeDocument/2006/relationships">
+<p:sld xmlns:a="http://schemas.openxmlformats.org/drawingml/2006/main" xmlns:r="http://schemas.openxmlformats.org/officeDocument/2006/relationships" xmlns:p="http://schemas.openxmlformats.org/presentationml/2006/main">
   <p:cSld>
     <p:bg>
       <p:bgPr>
         <a:solidFill>
           <a:srgbClr val="61A6AB"/>
         </a:solidFill>
+        <a:effectLst/>
       </p:bgPr>
     </p:bg>
     <p:spTree>
@@ -5292,12 +6304,12 @@
       </p:grpSpPr>
       <p:grpSp>
         <p:nvGrpSpPr>
-          <p:cNvPr name="Group 2" id="2"/>
+          <p:cNvPr id="2" name="Group 2"/>
           <p:cNvGrpSpPr/>
           <p:nvPr/>
         </p:nvGrpSpPr>
         <p:grpSpPr>
-          <a:xfrm rot="0">
+          <a:xfrm>
             <a:off x="-301865" y="742487"/>
             <a:ext cx="18866575" cy="1975140"/>
             <a:chOff x="0" y="0"/>
@@ -5306,12 +6318,12 @@
         </p:grpSpPr>
         <p:sp>
           <p:nvSpPr>
-            <p:cNvPr name="Freeform 3" id="3"/>
+            <p:cNvPr id="3" name="Freeform 3"/>
             <p:cNvSpPr/>
             <p:nvPr/>
           </p:nvSpPr>
           <p:spPr>
-            <a:xfrm flipH="false" flipV="false" rot="0">
+            <a:xfrm>
               <a:off x="0" y="0"/>
               <a:ext cx="4968975" cy="520202"/>
             </a:xfrm>
@@ -5320,9 +6332,9 @@
               <a:gdLst/>
               <a:ahLst/>
               <a:cxnLst/>
-              <a:rect r="r" b="b" t="t" l="l"/>
+              <a:rect l="l" t="t" r="r" b="b"/>
               <a:pathLst>
-                <a:path h="520202" w="4968975">
+                <a:path w="4968975" h="520202">
                   <a:moveTo>
                     <a:pt x="0" y="0"/>
                   </a:moveTo>
@@ -5343,11 +6355,18 @@
               <a:srgbClr val="000000"/>
             </a:solidFill>
           </p:spPr>
+          <p:txBody>
+            <a:bodyPr/>
+            <a:lstStyle/>
+            <a:p>
+              <a:endParaRPr lang="es-CR"/>
+            </a:p>
+          </p:txBody>
         </p:sp>
         <p:sp>
           <p:nvSpPr>
-            <p:cNvPr name="TextBox 4" id="4"/>
-            <p:cNvSpPr txBox="true"/>
+            <p:cNvPr id="4" name="TextBox 4"/>
+            <p:cNvSpPr txBox="1"/>
             <p:nvPr/>
           </p:nvSpPr>
           <p:spPr>
@@ -5360,7 +6379,7 @@
             </a:prstGeom>
           </p:spPr>
           <p:txBody>
-            <a:bodyPr anchor="ctr" rtlCol="false" tIns="50800" lIns="50800" bIns="50800" rIns="50800"/>
+            <a:bodyPr lIns="50800" tIns="50800" rIns="50800" bIns="50800" rtlCol="0" anchor="ctr"/>
             <a:lstStyle/>
             <a:p>
               <a:pPr algn="ctr">
@@ -5368,18 +6387,19 @@
                   <a:spcPts val="2659"/>
                 </a:lnSpc>
               </a:pPr>
+              <a:endParaRPr/>
             </a:p>
           </p:txBody>
         </p:sp>
       </p:grpSp>
       <p:sp>
         <p:nvSpPr>
-          <p:cNvPr name="Freeform 5" id="5"/>
+          <p:cNvPr id="5" name="Freeform 5"/>
           <p:cNvSpPr/>
           <p:nvPr/>
         </p:nvSpPr>
         <p:spPr>
-          <a:xfrm flipH="false" flipV="false" rot="0">
+          <a:xfrm>
             <a:off x="4713065" y="3337600"/>
             <a:ext cx="1139268" cy="1139268"/>
           </a:xfrm>
@@ -5388,9 +6408,9 @@
             <a:gdLst/>
             <a:ahLst/>
             <a:cxnLst/>
-            <a:rect r="r" b="b" t="t" l="l"/>
+            <a:rect l="l" t="t" r="r" b="b"/>
             <a:pathLst>
-              <a:path h="1139268" w="1139268">
+              <a:path w="1139268" h="1139268">
                 <a:moveTo>
                   <a:pt x="0" y="0"/>
                 </a:moveTo>
@@ -5419,19 +6439,26 @@
               </a:extLst>
             </a:blip>
             <a:stretch>
-              <a:fillRect l="0" t="0" r="0" b="0"/>
+              <a:fillRect/>
             </a:stretch>
           </a:blipFill>
         </p:spPr>
-      </p:sp>
-      <p:sp>
-        <p:nvSpPr>
-          <p:cNvPr name="TextBox 6" id="6"/>
-          <p:cNvSpPr txBox="true"/>
+        <p:txBody>
+          <a:bodyPr/>
+          <a:lstStyle/>
+          <a:p>
+            <a:endParaRPr lang="es-CR"/>
+          </a:p>
+        </p:txBody>
+      </p:sp>
+      <p:sp>
+        <p:nvSpPr>
+          <p:cNvPr id="6" name="TextBox 6"/>
+          <p:cNvSpPr txBox="1"/>
           <p:nvPr/>
         </p:nvSpPr>
         <p:spPr>
-          <a:xfrm rot="0">
+          <a:xfrm>
             <a:off x="4713065" y="828999"/>
             <a:ext cx="8861870" cy="1574164"/>
           </a:xfrm>
@@ -5440,7 +6467,7 @@
           </a:prstGeom>
         </p:spPr>
         <p:txBody>
-          <a:bodyPr anchor="t" rtlCol="false" tIns="0" lIns="0" bIns="0" rIns="0">
+          <a:bodyPr lIns="0" tIns="0" rIns="0" bIns="0" rtlCol="0" anchor="t">
             <a:spAutoFit/>
           </a:bodyPr>
           <a:lstStyle/>
@@ -5451,7 +6478,7 @@
               </a:lnSpc>
             </a:pPr>
             <a:r>
-              <a:rPr lang="en-US" sz="9200" b="true">
+              <a:rPr lang="en-US" sz="9200" b="1">
                 <a:solidFill>
                   <a:srgbClr val="F6F6E9"/>
                 </a:solidFill>
@@ -5467,12 +6494,12 @@
       </p:sp>
       <p:sp>
         <p:nvSpPr>
-          <p:cNvPr name="TextBox 7" id="7"/>
-          <p:cNvSpPr txBox="true"/>
+          <p:cNvPr id="7" name="TextBox 7"/>
+          <p:cNvSpPr txBox="1"/>
           <p:nvPr/>
         </p:nvSpPr>
         <p:spPr>
-          <a:xfrm rot="0">
+          <a:xfrm>
             <a:off x="6298691" y="3512899"/>
             <a:ext cx="8584227" cy="712469"/>
           </a:xfrm>
@@ -5481,7 +6508,7 @@
           </a:prstGeom>
         </p:spPr>
         <p:txBody>
-          <a:bodyPr anchor="t" rtlCol="false" tIns="0" lIns="0" bIns="0" rIns="0">
+          <a:bodyPr lIns="0" tIns="0" rIns="0" bIns="0" rtlCol="0" anchor="t">
             <a:spAutoFit/>
           </a:bodyPr>
           <a:lstStyle/>
@@ -5508,12 +6535,12 @@
       </p:sp>
       <p:sp>
         <p:nvSpPr>
-          <p:cNvPr name="TextBox 8" id="8"/>
-          <p:cNvSpPr txBox="true"/>
+          <p:cNvPr id="8" name="TextBox 8"/>
+          <p:cNvSpPr txBox="1"/>
           <p:nvPr/>
         </p:nvSpPr>
         <p:spPr>
-          <a:xfrm rot="0">
+          <a:xfrm>
             <a:off x="6298691" y="5056250"/>
             <a:ext cx="8584227" cy="712469"/>
           </a:xfrm>
@@ -5522,7 +6549,7 @@
           </a:prstGeom>
         </p:spPr>
         <p:txBody>
-          <a:bodyPr anchor="t" rtlCol="false" tIns="0" lIns="0" bIns="0" rIns="0">
+          <a:bodyPr lIns="0" tIns="0" rIns="0" bIns="0" rtlCol="0" anchor="t">
             <a:spAutoFit/>
           </a:bodyPr>
           <a:lstStyle/>
@@ -5549,12 +6576,12 @@
       </p:sp>
       <p:sp>
         <p:nvSpPr>
-          <p:cNvPr name="TextBox 9" id="9"/>
-          <p:cNvSpPr txBox="true"/>
+          <p:cNvPr id="9" name="TextBox 9"/>
+          <p:cNvSpPr txBox="1"/>
           <p:nvPr/>
         </p:nvSpPr>
         <p:spPr>
-          <a:xfrm rot="0">
+          <a:xfrm>
             <a:off x="6298691" y="6814643"/>
             <a:ext cx="8584227" cy="712469"/>
           </a:xfrm>
@@ -5563,7 +6590,7 @@
           </a:prstGeom>
         </p:spPr>
         <p:txBody>
-          <a:bodyPr anchor="t" rtlCol="false" tIns="0" lIns="0" bIns="0" rIns="0">
+          <a:bodyPr lIns="0" tIns="0" rIns="0" bIns="0" rtlCol="0" anchor="t">
             <a:spAutoFit/>
           </a:bodyPr>
           <a:lstStyle/>
@@ -5590,12 +6617,12 @@
       </p:sp>
       <p:sp>
         <p:nvSpPr>
-          <p:cNvPr name="TextBox 10" id="10"/>
-          <p:cNvSpPr txBox="true"/>
+          <p:cNvPr id="10" name="TextBox 10"/>
+          <p:cNvSpPr txBox="1"/>
           <p:nvPr/>
         </p:nvSpPr>
         <p:spPr>
-          <a:xfrm rot="0">
+          <a:xfrm>
             <a:off x="6298691" y="8353962"/>
             <a:ext cx="8584227" cy="712469"/>
           </a:xfrm>
@@ -5604,7 +6631,7 @@
           </a:prstGeom>
         </p:spPr>
         <p:txBody>
-          <a:bodyPr anchor="t" rtlCol="false" tIns="0" lIns="0" bIns="0" rIns="0">
+          <a:bodyPr lIns="0" tIns="0" rIns="0" bIns="0" rtlCol="0" anchor="t">
             <a:spAutoFit/>
           </a:bodyPr>
           <a:lstStyle/>
@@ -5631,12 +6658,12 @@
       </p:sp>
       <p:sp>
         <p:nvSpPr>
-          <p:cNvPr name="Freeform 11" id="11"/>
+          <p:cNvPr id="11" name="Freeform 11"/>
           <p:cNvSpPr/>
           <p:nvPr/>
         </p:nvSpPr>
         <p:spPr>
-          <a:xfrm flipH="false" flipV="false" rot="0">
+          <a:xfrm>
             <a:off x="4713065" y="4880950"/>
             <a:ext cx="1139268" cy="1139268"/>
           </a:xfrm>
@@ -5645,9 +6672,9 @@
             <a:gdLst/>
             <a:ahLst/>
             <a:cxnLst/>
-            <a:rect r="r" b="b" t="t" l="l"/>
+            <a:rect l="l" t="t" r="r" b="b"/>
             <a:pathLst>
-              <a:path h="1139268" w="1139268">
+              <a:path w="1139268" h="1139268">
                 <a:moveTo>
                   <a:pt x="0" y="0"/>
                 </a:moveTo>
@@ -5676,19 +6703,26 @@
               </a:extLst>
             </a:blip>
             <a:stretch>
-              <a:fillRect l="0" t="0" r="0" b="0"/>
+              <a:fillRect/>
             </a:stretch>
           </a:blipFill>
         </p:spPr>
-      </p:sp>
-      <p:sp>
-        <p:nvSpPr>
-          <p:cNvPr name="Freeform 12" id="12"/>
+        <p:txBody>
+          <a:bodyPr/>
+          <a:lstStyle/>
+          <a:p>
+            <a:endParaRPr lang="es-CR"/>
+          </a:p>
+        </p:txBody>
+      </p:sp>
+      <p:sp>
+        <p:nvSpPr>
+          <p:cNvPr id="12" name="Freeform 12"/>
           <p:cNvSpPr/>
           <p:nvPr/>
         </p:nvSpPr>
         <p:spPr>
-          <a:xfrm flipH="false" flipV="false" rot="0">
+          <a:xfrm>
             <a:off x="4713065" y="6639344"/>
             <a:ext cx="1139268" cy="1139268"/>
           </a:xfrm>
@@ -5697,9 +6731,9 @@
             <a:gdLst/>
             <a:ahLst/>
             <a:cxnLst/>
-            <a:rect r="r" b="b" t="t" l="l"/>
+            <a:rect l="l" t="t" r="r" b="b"/>
             <a:pathLst>
-              <a:path h="1139268" w="1139268">
+              <a:path w="1139268" h="1139268">
                 <a:moveTo>
                   <a:pt x="0" y="0"/>
                 </a:moveTo>
@@ -5728,19 +6762,26 @@
               </a:extLst>
             </a:blip>
             <a:stretch>
-              <a:fillRect l="0" t="0" r="0" b="0"/>
+              <a:fillRect/>
             </a:stretch>
           </a:blipFill>
         </p:spPr>
-      </p:sp>
-      <p:sp>
-        <p:nvSpPr>
-          <p:cNvPr name="Freeform 13" id="13"/>
+        <p:txBody>
+          <a:bodyPr/>
+          <a:lstStyle/>
+          <a:p>
+            <a:endParaRPr lang="es-CR"/>
+          </a:p>
+        </p:txBody>
+      </p:sp>
+      <p:sp>
+        <p:nvSpPr>
+          <p:cNvPr id="13" name="Freeform 13"/>
           <p:cNvSpPr/>
           <p:nvPr/>
         </p:nvSpPr>
         <p:spPr>
-          <a:xfrm flipH="false" flipV="false" rot="0">
+          <a:xfrm>
             <a:off x="4713065" y="8178662"/>
             <a:ext cx="1139268" cy="1139268"/>
           </a:xfrm>
@@ -5749,9 +6790,9 @@
             <a:gdLst/>
             <a:ahLst/>
             <a:cxnLst/>
-            <a:rect r="r" b="b" t="t" l="l"/>
+            <a:rect l="l" t="t" r="r" b="b"/>
             <a:pathLst>
-              <a:path h="1139268" w="1139268">
+              <a:path w="1139268" h="1139268">
                 <a:moveTo>
                   <a:pt x="0" y="0"/>
                 </a:moveTo>
@@ -5780,10 +6821,17 @@
               </a:extLst>
             </a:blip>
             <a:stretch>
-              <a:fillRect l="0" t="0" r="0" b="0"/>
+              <a:fillRect/>
             </a:stretch>
           </a:blipFill>
         </p:spPr>
+        <p:txBody>
+          <a:bodyPr/>
+          <a:lstStyle/>
+          <a:p>
+            <a:endParaRPr lang="es-CR"/>
+          </a:p>
+        </p:txBody>
       </p:sp>
     </p:spTree>
   </p:cSld>
@@ -5794,13 +6842,14 @@
 </file>
 
 <file path=ppt/slides/slide6.xml><?xml version="1.0" encoding="utf-8"?>
-<p:sld xmlns:p="http://schemas.openxmlformats.org/presentationml/2006/main" xmlns:a="http://schemas.openxmlformats.org/drawingml/2006/main" xmlns:r="http://schemas.openxmlformats.org/officeDocument/2006/relationships">
+<p:sld xmlns:a="http://schemas.openxmlformats.org/drawingml/2006/main" xmlns:r="http://schemas.openxmlformats.org/officeDocument/2006/relationships" xmlns:p="http://schemas.openxmlformats.org/presentationml/2006/main">
   <p:cSld>
     <p:bg>
       <p:bgPr>
         <a:solidFill>
           <a:srgbClr val="61A6AB"/>
         </a:solidFill>
+        <a:effectLst/>
       </p:bgPr>
     </p:bg>
     <p:spTree>
@@ -5819,12 +6868,12 @@
       </p:grpSpPr>
       <p:sp>
         <p:nvSpPr>
-          <p:cNvPr name="Freeform 2" id="2"/>
+          <p:cNvPr id="2" name="Freeform 2"/>
           <p:cNvSpPr/>
           <p:nvPr/>
         </p:nvSpPr>
         <p:spPr>
-          <a:xfrm flipH="false" flipV="false" rot="0">
+          <a:xfrm>
             <a:off x="3098330" y="3417736"/>
             <a:ext cx="12091340" cy="3451528"/>
           </a:xfrm>
@@ -5833,9 +6882,9 @@
             <a:gdLst/>
             <a:ahLst/>
             <a:cxnLst/>
-            <a:rect r="r" b="b" t="t" l="l"/>
+            <a:rect l="l" t="t" r="r" b="b"/>
             <a:pathLst>
-              <a:path h="3451528" w="12091340">
+              <a:path w="12091340" h="3451528">
                 <a:moveTo>
                   <a:pt x="0" y="0"/>
                 </a:moveTo>
@@ -5864,19 +6913,26 @@
               </a:extLst>
             </a:blip>
             <a:stretch>
-              <a:fillRect l="0" t="0" r="0" b="0"/>
+              <a:fillRect/>
             </a:stretch>
           </a:blipFill>
         </p:spPr>
-      </p:sp>
-      <p:sp>
-        <p:nvSpPr>
-          <p:cNvPr name="TextBox 3" id="3"/>
-          <p:cNvSpPr txBox="true"/>
+        <p:txBody>
+          <a:bodyPr/>
+          <a:lstStyle/>
+          <a:p>
+            <a:endParaRPr lang="es-CR"/>
+          </a:p>
+        </p:txBody>
+      </p:sp>
+      <p:sp>
+        <p:nvSpPr>
+          <p:cNvPr id="3" name="TextBox 3"/>
+          <p:cNvSpPr txBox="1"/>
           <p:nvPr/>
         </p:nvSpPr>
         <p:spPr>
-          <a:xfrm rot="0">
+          <a:xfrm>
             <a:off x="4435565" y="4196635"/>
             <a:ext cx="9416871" cy="1574164"/>
           </a:xfrm>
@@ -5885,7 +6941,7 @@
           </a:prstGeom>
         </p:spPr>
         <p:txBody>
-          <a:bodyPr anchor="t" rtlCol="false" tIns="0" lIns="0" bIns="0" rIns="0">
+          <a:bodyPr lIns="0" tIns="0" rIns="0" bIns="0" rtlCol="0" anchor="t">
             <a:spAutoFit/>
           </a:bodyPr>
           <a:lstStyle/>
@@ -5896,7 +6952,7 @@
               </a:lnSpc>
             </a:pPr>
             <a:r>
-              <a:rPr lang="en-US" sz="9200" b="true">
+              <a:rPr lang="en-US" sz="9200" b="1">
                 <a:solidFill>
                   <a:srgbClr val="000000"/>
                 </a:solidFill>
@@ -5912,12 +6968,12 @@
       </p:sp>
       <p:grpSp>
         <p:nvGrpSpPr>
-          <p:cNvPr name="Group 4" id="4"/>
+          <p:cNvPr id="4" name="Group 4"/>
           <p:cNvGrpSpPr/>
           <p:nvPr/>
         </p:nvGrpSpPr>
         <p:grpSpPr>
-          <a:xfrm rot="0">
+          <a:xfrm>
             <a:off x="2070161" y="5770799"/>
             <a:ext cx="796956" cy="796956"/>
             <a:chOff x="0" y="0"/>
@@ -5926,12 +6982,12 @@
         </p:grpSpPr>
         <p:sp>
           <p:nvSpPr>
-            <p:cNvPr name="Freeform 5" id="5"/>
+            <p:cNvPr id="5" name="Freeform 5"/>
             <p:cNvSpPr/>
             <p:nvPr/>
           </p:nvSpPr>
           <p:spPr>
-            <a:xfrm flipH="false" flipV="false" rot="0">
+            <a:xfrm>
               <a:off x="0" y="0"/>
               <a:ext cx="209898" cy="209898"/>
             </a:xfrm>
@@ -5940,9 +6996,9 @@
               <a:gdLst/>
               <a:ahLst/>
               <a:cxnLst/>
-              <a:rect r="r" b="b" t="t" l="l"/>
+              <a:rect l="l" t="t" r="r" b="b"/>
               <a:pathLst>
-                <a:path h="209898" w="209898">
+                <a:path w="209898" h="209898">
                   <a:moveTo>
                     <a:pt x="0" y="0"/>
                   </a:moveTo>
@@ -5963,11 +7019,18 @@
               <a:srgbClr val="FFCE6D"/>
             </a:solidFill>
           </p:spPr>
+          <p:txBody>
+            <a:bodyPr/>
+            <a:lstStyle/>
+            <a:p>
+              <a:endParaRPr lang="es-CR"/>
+            </a:p>
+          </p:txBody>
         </p:sp>
         <p:sp>
           <p:nvSpPr>
-            <p:cNvPr name="TextBox 6" id="6"/>
-            <p:cNvSpPr txBox="true"/>
+            <p:cNvPr id="6" name="TextBox 6"/>
+            <p:cNvSpPr txBox="1"/>
             <p:nvPr/>
           </p:nvSpPr>
           <p:spPr>
@@ -5980,7 +7043,7 @@
             </a:prstGeom>
           </p:spPr>
           <p:txBody>
-            <a:bodyPr anchor="ctr" rtlCol="false" tIns="50800" lIns="50800" bIns="50800" rIns="50800"/>
+            <a:bodyPr lIns="50800" tIns="50800" rIns="50800" bIns="50800" rtlCol="0" anchor="ctr"/>
             <a:lstStyle/>
             <a:p>
               <a:pPr algn="ctr">
@@ -5988,18 +7051,19 @@
                   <a:spcPts val="2659"/>
                 </a:lnSpc>
               </a:pPr>
+              <a:endParaRPr/>
             </a:p>
           </p:txBody>
         </p:sp>
       </p:grpSp>
       <p:grpSp>
         <p:nvGrpSpPr>
-          <p:cNvPr name="Group 7" id="7"/>
+          <p:cNvPr id="7" name="Group 7"/>
           <p:cNvGrpSpPr/>
           <p:nvPr/>
         </p:nvGrpSpPr>
         <p:grpSpPr>
-          <a:xfrm rot="0">
+          <a:xfrm>
             <a:off x="1035081" y="5770799"/>
             <a:ext cx="796956" cy="796956"/>
             <a:chOff x="0" y="0"/>
@@ -6008,12 +7072,12 @@
         </p:grpSpPr>
         <p:sp>
           <p:nvSpPr>
-            <p:cNvPr name="Freeform 8" id="8"/>
+            <p:cNvPr id="8" name="Freeform 8"/>
             <p:cNvSpPr/>
             <p:nvPr/>
           </p:nvSpPr>
           <p:spPr>
-            <a:xfrm flipH="false" flipV="false" rot="0">
+            <a:xfrm>
               <a:off x="0" y="0"/>
               <a:ext cx="209898" cy="209898"/>
             </a:xfrm>
@@ -6022,9 +7086,9 @@
               <a:gdLst/>
               <a:ahLst/>
               <a:cxnLst/>
-              <a:rect r="r" b="b" t="t" l="l"/>
+              <a:rect l="l" t="t" r="r" b="b"/>
               <a:pathLst>
-                <a:path h="209898" w="209898">
+                <a:path w="209898" h="209898">
                   <a:moveTo>
                     <a:pt x="0" y="0"/>
                   </a:moveTo>
@@ -6045,11 +7109,18 @@
               <a:srgbClr val="FFCE6D"/>
             </a:solidFill>
           </p:spPr>
+          <p:txBody>
+            <a:bodyPr/>
+            <a:lstStyle/>
+            <a:p>
+              <a:endParaRPr lang="es-CR"/>
+            </a:p>
+          </p:txBody>
         </p:sp>
         <p:sp>
           <p:nvSpPr>
-            <p:cNvPr name="TextBox 9" id="9"/>
-            <p:cNvSpPr txBox="true"/>
+            <p:cNvPr id="9" name="TextBox 9"/>
+            <p:cNvSpPr txBox="1"/>
             <p:nvPr/>
           </p:nvSpPr>
           <p:spPr>
@@ -6062,7 +7133,7 @@
             </a:prstGeom>
           </p:spPr>
           <p:txBody>
-            <a:bodyPr anchor="ctr" rtlCol="false" tIns="50800" lIns="50800" bIns="50800" rIns="50800"/>
+            <a:bodyPr lIns="50800" tIns="50800" rIns="50800" bIns="50800" rtlCol="0" anchor="ctr"/>
             <a:lstStyle/>
             <a:p>
               <a:pPr algn="ctr">
@@ -6070,18 +7141,19 @@
                   <a:spcPts val="2659"/>
                 </a:lnSpc>
               </a:pPr>
+              <a:endParaRPr/>
             </a:p>
           </p:txBody>
         </p:sp>
       </p:grpSp>
       <p:grpSp>
         <p:nvGrpSpPr>
-          <p:cNvPr name="Group 10" id="10"/>
+          <p:cNvPr id="10" name="Group 10"/>
           <p:cNvGrpSpPr/>
           <p:nvPr/>
         </p:nvGrpSpPr>
         <p:grpSpPr>
-          <a:xfrm rot="0">
+          <a:xfrm>
             <a:off x="0" y="5770799"/>
             <a:ext cx="796956" cy="796956"/>
             <a:chOff x="0" y="0"/>
@@ -6090,12 +7162,12 @@
         </p:grpSpPr>
         <p:sp>
           <p:nvSpPr>
-            <p:cNvPr name="Freeform 11" id="11"/>
+            <p:cNvPr id="11" name="Freeform 11"/>
             <p:cNvSpPr/>
             <p:nvPr/>
           </p:nvSpPr>
           <p:spPr>
-            <a:xfrm flipH="false" flipV="false" rot="0">
+            <a:xfrm>
               <a:off x="0" y="0"/>
               <a:ext cx="209898" cy="209898"/>
             </a:xfrm>
@@ -6104,9 +7176,9 @@
               <a:gdLst/>
               <a:ahLst/>
               <a:cxnLst/>
-              <a:rect r="r" b="b" t="t" l="l"/>
+              <a:rect l="l" t="t" r="r" b="b"/>
               <a:pathLst>
-                <a:path h="209898" w="209898">
+                <a:path w="209898" h="209898">
                   <a:moveTo>
                     <a:pt x="0" y="0"/>
                   </a:moveTo>
@@ -6127,11 +7199,18 @@
               <a:srgbClr val="FFCE6D"/>
             </a:solidFill>
           </p:spPr>
+          <p:txBody>
+            <a:bodyPr/>
+            <a:lstStyle/>
+            <a:p>
+              <a:endParaRPr lang="es-CR"/>
+            </a:p>
+          </p:txBody>
         </p:sp>
         <p:sp>
           <p:nvSpPr>
-            <p:cNvPr name="TextBox 12" id="12"/>
-            <p:cNvSpPr txBox="true"/>
+            <p:cNvPr id="12" name="TextBox 12"/>
+            <p:cNvSpPr txBox="1"/>
             <p:nvPr/>
           </p:nvSpPr>
           <p:spPr>
@@ -6144,7 +7223,7 @@
             </a:prstGeom>
           </p:spPr>
           <p:txBody>
-            <a:bodyPr anchor="ctr" rtlCol="false" tIns="50800" lIns="50800" bIns="50800" rIns="50800"/>
+            <a:bodyPr lIns="50800" tIns="50800" rIns="50800" bIns="50800" rtlCol="0" anchor="ctr"/>
             <a:lstStyle/>
             <a:p>
               <a:pPr algn="ctr">
@@ -6152,18 +7231,19 @@
                   <a:spcPts val="2659"/>
                 </a:lnSpc>
               </a:pPr>
+              <a:endParaRPr/>
             </a:p>
           </p:txBody>
         </p:sp>
       </p:grpSp>
       <p:grpSp>
         <p:nvGrpSpPr>
-          <p:cNvPr name="Group 13" id="13"/>
+          <p:cNvPr id="13" name="Group 13"/>
           <p:cNvGrpSpPr/>
           <p:nvPr/>
         </p:nvGrpSpPr>
         <p:grpSpPr>
-          <a:xfrm rot="0">
+          <a:xfrm>
             <a:off x="17491044" y="4027175"/>
             <a:ext cx="796956" cy="796956"/>
             <a:chOff x="0" y="0"/>
@@ -6172,12 +7252,12 @@
         </p:grpSpPr>
         <p:sp>
           <p:nvSpPr>
-            <p:cNvPr name="Freeform 14" id="14"/>
+            <p:cNvPr id="14" name="Freeform 14"/>
             <p:cNvSpPr/>
             <p:nvPr/>
           </p:nvSpPr>
           <p:spPr>
-            <a:xfrm flipH="false" flipV="false" rot="0">
+            <a:xfrm>
               <a:off x="0" y="0"/>
               <a:ext cx="209898" cy="209898"/>
             </a:xfrm>
@@ -6186,9 +7266,9 @@
               <a:gdLst/>
               <a:ahLst/>
               <a:cxnLst/>
-              <a:rect r="r" b="b" t="t" l="l"/>
+              <a:rect l="l" t="t" r="r" b="b"/>
               <a:pathLst>
-                <a:path h="209898" w="209898">
+                <a:path w="209898" h="209898">
                   <a:moveTo>
                     <a:pt x="0" y="0"/>
                   </a:moveTo>
@@ -6209,11 +7289,18 @@
               <a:srgbClr val="FFCE6D"/>
             </a:solidFill>
           </p:spPr>
+          <p:txBody>
+            <a:bodyPr/>
+            <a:lstStyle/>
+            <a:p>
+              <a:endParaRPr lang="es-CR"/>
+            </a:p>
+          </p:txBody>
         </p:sp>
         <p:sp>
           <p:nvSpPr>
-            <p:cNvPr name="TextBox 15" id="15"/>
-            <p:cNvSpPr txBox="true"/>
+            <p:cNvPr id="15" name="TextBox 15"/>
+            <p:cNvSpPr txBox="1"/>
             <p:nvPr/>
           </p:nvSpPr>
           <p:spPr>
@@ -6226,7 +7313,7 @@
             </a:prstGeom>
           </p:spPr>
           <p:txBody>
-            <a:bodyPr anchor="ctr" rtlCol="false" tIns="50800" lIns="50800" bIns="50800" rIns="50800"/>
+            <a:bodyPr lIns="50800" tIns="50800" rIns="50800" bIns="50800" rtlCol="0" anchor="ctr"/>
             <a:lstStyle/>
             <a:p>
               <a:pPr algn="ctr">
@@ -6234,18 +7321,19 @@
                   <a:spcPts val="2659"/>
                 </a:lnSpc>
               </a:pPr>
+              <a:endParaRPr/>
             </a:p>
           </p:txBody>
         </p:sp>
       </p:grpSp>
       <p:grpSp>
         <p:nvGrpSpPr>
-          <p:cNvPr name="Group 16" id="16"/>
+          <p:cNvPr id="16" name="Group 16"/>
           <p:cNvGrpSpPr/>
           <p:nvPr/>
         </p:nvGrpSpPr>
         <p:grpSpPr>
-          <a:xfrm rot="0">
+          <a:xfrm>
             <a:off x="16455964" y="4027175"/>
             <a:ext cx="796956" cy="796956"/>
             <a:chOff x="0" y="0"/>
@@ -6254,12 +7342,12 @@
         </p:grpSpPr>
         <p:sp>
           <p:nvSpPr>
-            <p:cNvPr name="Freeform 17" id="17"/>
+            <p:cNvPr id="17" name="Freeform 17"/>
             <p:cNvSpPr/>
             <p:nvPr/>
           </p:nvSpPr>
           <p:spPr>
-            <a:xfrm flipH="false" flipV="false" rot="0">
+            <a:xfrm>
               <a:off x="0" y="0"/>
               <a:ext cx="209898" cy="209898"/>
             </a:xfrm>
@@ -6268,9 +7356,9 @@
               <a:gdLst/>
               <a:ahLst/>
               <a:cxnLst/>
-              <a:rect r="r" b="b" t="t" l="l"/>
+              <a:rect l="l" t="t" r="r" b="b"/>
               <a:pathLst>
-                <a:path h="209898" w="209898">
+                <a:path w="209898" h="209898">
                   <a:moveTo>
                     <a:pt x="0" y="0"/>
                   </a:moveTo>
@@ -6291,11 +7379,18 @@
               <a:srgbClr val="FFCE6D"/>
             </a:solidFill>
           </p:spPr>
+          <p:txBody>
+            <a:bodyPr/>
+            <a:lstStyle/>
+            <a:p>
+              <a:endParaRPr lang="es-CR"/>
+            </a:p>
+          </p:txBody>
         </p:sp>
         <p:sp>
           <p:nvSpPr>
-            <p:cNvPr name="TextBox 18" id="18"/>
-            <p:cNvSpPr txBox="true"/>
+            <p:cNvPr id="18" name="TextBox 18"/>
+            <p:cNvSpPr txBox="1"/>
             <p:nvPr/>
           </p:nvSpPr>
           <p:spPr>
@@ -6308,7 +7403,7 @@
             </a:prstGeom>
           </p:spPr>
           <p:txBody>
-            <a:bodyPr anchor="ctr" rtlCol="false" tIns="50800" lIns="50800" bIns="50800" rIns="50800"/>
+            <a:bodyPr lIns="50800" tIns="50800" rIns="50800" bIns="50800" rtlCol="0" anchor="ctr"/>
             <a:lstStyle/>
             <a:p>
               <a:pPr algn="ctr">
@@ -6316,18 +7411,19 @@
                   <a:spcPts val="2659"/>
                 </a:lnSpc>
               </a:pPr>
+              <a:endParaRPr/>
             </a:p>
           </p:txBody>
         </p:sp>
       </p:grpSp>
       <p:grpSp>
         <p:nvGrpSpPr>
-          <p:cNvPr name="Group 19" id="19"/>
+          <p:cNvPr id="19" name="Group 19"/>
           <p:cNvGrpSpPr/>
           <p:nvPr/>
         </p:nvGrpSpPr>
         <p:grpSpPr>
-          <a:xfrm rot="0">
+          <a:xfrm>
             <a:off x="15420883" y="4027175"/>
             <a:ext cx="796956" cy="796956"/>
             <a:chOff x="0" y="0"/>
@@ -6336,12 +7432,12 @@
         </p:grpSpPr>
         <p:sp>
           <p:nvSpPr>
-            <p:cNvPr name="Freeform 20" id="20"/>
+            <p:cNvPr id="20" name="Freeform 20"/>
             <p:cNvSpPr/>
             <p:nvPr/>
           </p:nvSpPr>
           <p:spPr>
-            <a:xfrm flipH="false" flipV="false" rot="0">
+            <a:xfrm>
               <a:off x="0" y="0"/>
               <a:ext cx="209898" cy="209898"/>
             </a:xfrm>
@@ -6350,9 +7446,9 @@
               <a:gdLst/>
               <a:ahLst/>
               <a:cxnLst/>
-              <a:rect r="r" b="b" t="t" l="l"/>
+              <a:rect l="l" t="t" r="r" b="b"/>
               <a:pathLst>
-                <a:path h="209898" w="209898">
+                <a:path w="209898" h="209898">
                   <a:moveTo>
                     <a:pt x="0" y="0"/>
                   </a:moveTo>
@@ -6373,11 +7469,18 @@
               <a:srgbClr val="FFCE6D"/>
             </a:solidFill>
           </p:spPr>
+          <p:txBody>
+            <a:bodyPr/>
+            <a:lstStyle/>
+            <a:p>
+              <a:endParaRPr lang="es-CR"/>
+            </a:p>
+          </p:txBody>
         </p:sp>
         <p:sp>
           <p:nvSpPr>
-            <p:cNvPr name="TextBox 21" id="21"/>
-            <p:cNvSpPr txBox="true"/>
+            <p:cNvPr id="21" name="TextBox 21"/>
+            <p:cNvSpPr txBox="1"/>
             <p:nvPr/>
           </p:nvSpPr>
           <p:spPr>
@@ -6390,7 +7493,7 @@
             </a:prstGeom>
           </p:spPr>
           <p:txBody>
-            <a:bodyPr anchor="ctr" rtlCol="false" tIns="50800" lIns="50800" bIns="50800" rIns="50800"/>
+            <a:bodyPr lIns="50800" tIns="50800" rIns="50800" bIns="50800" rtlCol="0" anchor="ctr"/>
             <a:lstStyle/>
             <a:p>
               <a:pPr algn="ctr">
@@ -6398,18 +7501,19 @@
                   <a:spcPts val="2659"/>
                 </a:lnSpc>
               </a:pPr>
+              <a:endParaRPr/>
             </a:p>
           </p:txBody>
         </p:sp>
       </p:grpSp>
       <p:sp>
         <p:nvSpPr>
-          <p:cNvPr name="TextBox 22" id="22"/>
-          <p:cNvSpPr txBox="true"/>
+          <p:cNvPr id="22" name="TextBox 22"/>
+          <p:cNvSpPr txBox="1"/>
           <p:nvPr/>
         </p:nvSpPr>
         <p:spPr>
-          <a:xfrm rot="0">
+          <a:xfrm>
             <a:off x="4435565" y="5704124"/>
             <a:ext cx="9416871" cy="490856"/>
           </a:xfrm>
@@ -6418,7 +7522,7 @@
           </a:prstGeom>
         </p:spPr>
         <p:txBody>
-          <a:bodyPr anchor="t" rtlCol="false" tIns="0" lIns="0" bIns="0" rIns="0">
+          <a:bodyPr lIns="0" tIns="0" rIns="0" bIns="0" rtlCol="0" anchor="t">
             <a:spAutoFit/>
           </a:bodyPr>
           <a:lstStyle/>
@@ -6455,13 +7559,14 @@
 </file>
 
 <file path=ppt/slides/slide7.xml><?xml version="1.0" encoding="utf-8"?>
-<p:sld xmlns:p="http://schemas.openxmlformats.org/presentationml/2006/main" xmlns:a="http://schemas.openxmlformats.org/drawingml/2006/main" xmlns:r="http://schemas.openxmlformats.org/officeDocument/2006/relationships">
+<p:sld xmlns:a="http://schemas.openxmlformats.org/drawingml/2006/main" xmlns:r="http://schemas.openxmlformats.org/officeDocument/2006/relationships" xmlns:p="http://schemas.openxmlformats.org/presentationml/2006/main">
   <p:cSld>
     <p:bg>
       <p:bgPr>
         <a:solidFill>
           <a:srgbClr val="61A6AB"/>
         </a:solidFill>
+        <a:effectLst/>
       </p:bgPr>
     </p:bg>
     <p:spTree>
@@ -6480,12 +7585,12 @@
       </p:grpSpPr>
       <p:sp>
         <p:nvSpPr>
-          <p:cNvPr name="Freeform 2" id="2"/>
+          <p:cNvPr id="2" name="Freeform 2"/>
           <p:cNvSpPr/>
           <p:nvPr/>
         </p:nvSpPr>
         <p:spPr>
-          <a:xfrm flipH="false" flipV="false" rot="0">
+          <a:xfrm>
             <a:off x="637607" y="1028700"/>
             <a:ext cx="17012786" cy="8289867"/>
           </a:xfrm>
@@ -6494,9 +7599,9 @@
             <a:gdLst/>
             <a:ahLst/>
             <a:cxnLst/>
-            <a:rect r="r" b="b" t="t" l="l"/>
+            <a:rect l="l" t="t" r="r" b="b"/>
             <a:pathLst>
-              <a:path h="8289867" w="17012786">
+              <a:path w="17012786" h="8289867">
                 <a:moveTo>
                   <a:pt x="0" y="0"/>
                 </a:moveTo>
@@ -6525,19 +7630,26 @@
               </a:extLst>
             </a:blip>
             <a:stretch>
-              <a:fillRect l="0" t="0" r="0" b="0"/>
+              <a:fillRect/>
             </a:stretch>
           </a:blipFill>
         </p:spPr>
-      </p:sp>
-      <p:sp>
-        <p:nvSpPr>
-          <p:cNvPr name="TextBox 3" id="3"/>
-          <p:cNvSpPr txBox="true"/>
+        <p:txBody>
+          <a:bodyPr/>
+          <a:lstStyle/>
+          <a:p>
+            <a:endParaRPr lang="es-CR"/>
+          </a:p>
+        </p:txBody>
+      </p:sp>
+      <p:sp>
+        <p:nvSpPr>
+          <p:cNvPr id="3" name="TextBox 3"/>
+          <p:cNvSpPr txBox="1"/>
           <p:nvPr/>
         </p:nvSpPr>
         <p:spPr>
-          <a:xfrm rot="0">
+          <a:xfrm>
             <a:off x="5313426" y="2081759"/>
             <a:ext cx="7661149" cy="1128383"/>
           </a:xfrm>
@@ -6546,7 +7658,7 @@
           </a:prstGeom>
         </p:spPr>
         <p:txBody>
-          <a:bodyPr anchor="t" rtlCol="false" tIns="0" lIns="0" bIns="0" rIns="0">
+          <a:bodyPr lIns="0" tIns="0" rIns="0" bIns="0" rtlCol="0" anchor="t">
             <a:spAutoFit/>
           </a:bodyPr>
           <a:lstStyle/>
@@ -6557,7 +7669,7 @@
               </a:lnSpc>
             </a:pPr>
             <a:r>
-              <a:rPr lang="en-US" sz="6500" b="true">
+              <a:rPr lang="en-US" sz="6500" b="1">
                 <a:solidFill>
                   <a:srgbClr val="000000"/>
                 </a:solidFill>
@@ -6573,12 +7685,12 @@
       </p:sp>
       <p:sp>
         <p:nvSpPr>
-          <p:cNvPr name="TextBox 4" id="4"/>
-          <p:cNvSpPr txBox="true"/>
+          <p:cNvPr id="4" name="TextBox 4"/>
+          <p:cNvSpPr txBox="1"/>
           <p:nvPr/>
         </p:nvSpPr>
         <p:spPr>
-          <a:xfrm rot="0">
+          <a:xfrm>
             <a:off x="1976653" y="3834095"/>
             <a:ext cx="19137108" cy="4621413"/>
           </a:xfrm>
@@ -6587,12 +7699,12 @@
           </a:prstGeom>
         </p:spPr>
         <p:txBody>
-          <a:bodyPr anchor="t" rtlCol="false" tIns="0" lIns="0" bIns="0" rIns="0">
+          <a:bodyPr lIns="0" tIns="0" rIns="0" bIns="0" rtlCol="0" anchor="t">
             <a:spAutoFit/>
           </a:bodyPr>
           <a:lstStyle/>
           <a:p>
-            <a:pPr algn="l" marL="958044" indent="-479022" lvl="1">
+            <a:pPr marL="958044" lvl="1" indent="-479022" algn="l">
               <a:lnSpc>
                 <a:spcPts val="9451"/>
               </a:lnSpc>
@@ -6613,7 +7725,7 @@
             </a:r>
           </a:p>
           <a:p>
-            <a:pPr algn="l" marL="958044" indent="-479022" lvl="1">
+            <a:pPr marL="958044" lvl="1" indent="-479022" algn="l">
               <a:lnSpc>
                 <a:spcPts val="9451"/>
               </a:lnSpc>
@@ -6634,7 +7746,7 @@
             </a:r>
           </a:p>
           <a:p>
-            <a:pPr algn="l" marL="958044" indent="-479022" lvl="1">
+            <a:pPr marL="958044" lvl="1" indent="-479022" algn="l">
               <a:lnSpc>
                 <a:spcPts val="9451"/>
               </a:lnSpc>
@@ -6655,7 +7767,7 @@
             </a:r>
           </a:p>
           <a:p>
-            <a:pPr algn="l" marL="958044" indent="-479022" lvl="1">
+            <a:pPr marL="958044" lvl="1" indent="-479022" algn="l">
               <a:lnSpc>
                 <a:spcPts val="9451"/>
               </a:lnSpc>
@@ -6686,13 +7798,14 @@
 </file>
 
 <file path=ppt/slides/slide8.xml><?xml version="1.0" encoding="utf-8"?>
-<p:sld xmlns:p="http://schemas.openxmlformats.org/presentationml/2006/main" xmlns:a="http://schemas.openxmlformats.org/drawingml/2006/main">
+<p:sld xmlns:a="http://schemas.openxmlformats.org/drawingml/2006/main" xmlns:r="http://schemas.openxmlformats.org/officeDocument/2006/relationships" xmlns:p="http://schemas.openxmlformats.org/presentationml/2006/main">
   <p:cSld>
     <p:bg>
       <p:bgPr>
         <a:solidFill>
           <a:srgbClr val="61A6AB"/>
         </a:solidFill>
+        <a:effectLst/>
       </p:bgPr>
     </p:bg>
     <p:spTree>
@@ -6711,12 +7824,12 @@
       </p:grpSpPr>
       <p:grpSp>
         <p:nvGrpSpPr>
-          <p:cNvPr name="Group 2" id="2"/>
+          <p:cNvPr id="2" name="Group 2"/>
           <p:cNvGrpSpPr/>
           <p:nvPr/>
         </p:nvGrpSpPr>
         <p:grpSpPr>
-          <a:xfrm rot="0">
+          <a:xfrm>
             <a:off x="-284864" y="2069464"/>
             <a:ext cx="18924181" cy="7552761"/>
             <a:chOff x="0" y="0"/>
@@ -6725,12 +7838,12 @@
         </p:grpSpPr>
         <p:sp>
           <p:nvSpPr>
-            <p:cNvPr name="Freeform 3" id="3"/>
+            <p:cNvPr id="3" name="Freeform 3"/>
             <p:cNvSpPr/>
             <p:nvPr/>
           </p:nvSpPr>
           <p:spPr>
-            <a:xfrm flipH="false" flipV="false" rot="0">
+            <a:xfrm>
               <a:off x="0" y="0"/>
               <a:ext cx="4984147" cy="1989205"/>
             </a:xfrm>
@@ -6739,9 +7852,9 @@
               <a:gdLst/>
               <a:ahLst/>
               <a:cxnLst/>
-              <a:rect r="r" b="b" t="t" l="l"/>
+              <a:rect l="l" t="t" r="r" b="b"/>
               <a:pathLst>
-                <a:path h="1989205" w="4984147">
+                <a:path w="4984147" h="1989205">
                   <a:moveTo>
                     <a:pt x="0" y="0"/>
                   </a:moveTo>
@@ -6762,11 +7875,18 @@
               <a:srgbClr val="F6F6E9"/>
             </a:solidFill>
           </p:spPr>
+          <p:txBody>
+            <a:bodyPr/>
+            <a:lstStyle/>
+            <a:p>
+              <a:endParaRPr lang="es-CR"/>
+            </a:p>
+          </p:txBody>
         </p:sp>
         <p:sp>
           <p:nvSpPr>
-            <p:cNvPr name="TextBox 4" id="4"/>
-            <p:cNvSpPr txBox="true"/>
+            <p:cNvPr id="4" name="TextBox 4"/>
+            <p:cNvSpPr txBox="1"/>
             <p:nvPr/>
           </p:nvSpPr>
           <p:spPr>
@@ -6779,7 +7899,7 @@
             </a:prstGeom>
           </p:spPr>
           <p:txBody>
-            <a:bodyPr anchor="ctr" rtlCol="false" tIns="50800" lIns="50800" bIns="50800" rIns="50800"/>
+            <a:bodyPr lIns="50800" tIns="50800" rIns="50800" bIns="50800" rtlCol="0" anchor="ctr"/>
             <a:lstStyle/>
             <a:p>
               <a:pPr algn="ctr">
@@ -6787,18 +7907,19 @@
                   <a:spcPts val="2659"/>
                 </a:lnSpc>
               </a:pPr>
+              <a:endParaRPr/>
             </a:p>
           </p:txBody>
         </p:sp>
       </p:grpSp>
       <p:sp>
         <p:nvSpPr>
-          <p:cNvPr name="TextBox 5" id="5"/>
-          <p:cNvSpPr txBox="true"/>
+          <p:cNvPr id="5" name="TextBox 5"/>
+          <p:cNvSpPr txBox="1"/>
           <p:nvPr/>
         </p:nvSpPr>
         <p:spPr>
-          <a:xfrm rot="0">
+          <a:xfrm>
             <a:off x="1168884" y="2503170"/>
             <a:ext cx="15762768" cy="6755130"/>
           </a:xfrm>
@@ -6807,12 +7928,12 @@
           </a:prstGeom>
         </p:spPr>
         <p:txBody>
-          <a:bodyPr anchor="t" rtlCol="false" tIns="0" lIns="0" bIns="0" rIns="0">
+          <a:bodyPr lIns="0" tIns="0" rIns="0" bIns="0" rtlCol="0" anchor="t">
             <a:spAutoFit/>
           </a:bodyPr>
           <a:lstStyle/>
           <a:p>
-            <a:pPr algn="l" marL="690881" indent="-345440" lvl="1">
+            <a:pPr marL="690881" lvl="1" indent="-345440" algn="l">
               <a:lnSpc>
                 <a:spcPts val="4480"/>
               </a:lnSpc>
@@ -6833,7 +7954,7 @@
             </a:r>
           </a:p>
           <a:p>
-            <a:pPr algn="l" marL="690881" indent="-345440" lvl="1">
+            <a:pPr marL="690881" lvl="1" indent="-345440" algn="l">
               <a:lnSpc>
                 <a:spcPts val="4480"/>
               </a:lnSpc>
@@ -6854,7 +7975,7 @@
             </a:r>
           </a:p>
           <a:p>
-            <a:pPr algn="l" marL="690881" indent="-345440" lvl="1">
+            <a:pPr marL="690881" lvl="1" indent="-345440" algn="l">
               <a:lnSpc>
                 <a:spcPts val="4480"/>
               </a:lnSpc>
@@ -6875,7 +7996,7 @@
             </a:r>
           </a:p>
           <a:p>
-            <a:pPr algn="l" marL="690881" indent="-345440" lvl="1">
+            <a:pPr marL="690881" lvl="1" indent="-345440" algn="l">
               <a:lnSpc>
                 <a:spcPts val="4480"/>
               </a:lnSpc>
@@ -6896,7 +8017,7 @@
             </a:r>
           </a:p>
           <a:p>
-            <a:pPr algn="l" marL="690881" indent="-345440" lvl="1">
+            <a:pPr marL="690881" lvl="1" indent="-345440" algn="l">
               <a:lnSpc>
                 <a:spcPts val="4480"/>
               </a:lnSpc>
@@ -6917,7 +8038,7 @@
             </a:r>
           </a:p>
           <a:p>
-            <a:pPr algn="l" marL="690881" indent="-345440" lvl="1">
+            <a:pPr marL="690881" lvl="1" indent="-345440" algn="l">
               <a:lnSpc>
                 <a:spcPts val="4480"/>
               </a:lnSpc>
@@ -6943,17 +8064,26 @@
                 <a:spcPts val="4759"/>
               </a:lnSpc>
             </a:pPr>
+            <a:endParaRPr lang="en-US" sz="3200">
+              <a:solidFill>
+                <a:srgbClr val="000000"/>
+              </a:solidFill>
+              <a:latin typeface="Proxima Nova"/>
+              <a:ea typeface="Proxima Nova"/>
+              <a:cs typeface="Proxima Nova"/>
+              <a:sym typeface="Proxima Nova"/>
+            </a:endParaRPr>
           </a:p>
         </p:txBody>
       </p:sp>
       <p:grpSp>
         <p:nvGrpSpPr>
-          <p:cNvPr name="Group 6" id="6"/>
+          <p:cNvPr id="6" name="Group 6"/>
           <p:cNvGrpSpPr/>
           <p:nvPr/>
         </p:nvGrpSpPr>
         <p:grpSpPr>
-          <a:xfrm rot="0">
+          <a:xfrm>
             <a:off x="3261702" y="775335"/>
             <a:ext cx="15377615" cy="1294129"/>
             <a:chOff x="0" y="0"/>
@@ -6962,12 +8092,12 @@
         </p:grpSpPr>
         <p:sp>
           <p:nvSpPr>
-            <p:cNvPr name="Freeform 7" id="7"/>
+            <p:cNvPr id="7" name="Freeform 7"/>
             <p:cNvSpPr/>
             <p:nvPr/>
           </p:nvSpPr>
           <p:spPr>
-            <a:xfrm flipH="false" flipV="false" rot="0">
+            <a:xfrm>
               <a:off x="0" y="0"/>
               <a:ext cx="4050071" cy="340841"/>
             </a:xfrm>
@@ -6976,9 +8106,9 @@
               <a:gdLst/>
               <a:ahLst/>
               <a:cxnLst/>
-              <a:rect r="r" b="b" t="t" l="l"/>
+              <a:rect l="l" t="t" r="r" b="b"/>
               <a:pathLst>
-                <a:path h="340841" w="4050071">
+                <a:path w="4050071" h="340841">
                   <a:moveTo>
                     <a:pt x="0" y="0"/>
                   </a:moveTo>
@@ -6999,11 +8129,18 @@
               <a:srgbClr val="FFCE6D"/>
             </a:solidFill>
           </p:spPr>
+          <p:txBody>
+            <a:bodyPr/>
+            <a:lstStyle/>
+            <a:p>
+              <a:endParaRPr lang="es-CR"/>
+            </a:p>
+          </p:txBody>
         </p:sp>
         <p:sp>
           <p:nvSpPr>
-            <p:cNvPr name="TextBox 8" id="8"/>
-            <p:cNvSpPr txBox="true"/>
+            <p:cNvPr id="8" name="TextBox 8"/>
+            <p:cNvSpPr txBox="1"/>
             <p:nvPr/>
           </p:nvSpPr>
           <p:spPr>
@@ -7016,7 +8153,7 @@
             </a:prstGeom>
           </p:spPr>
           <p:txBody>
-            <a:bodyPr anchor="ctr" rtlCol="false" tIns="50800" lIns="50800" bIns="50800" rIns="50800"/>
+            <a:bodyPr lIns="50800" tIns="50800" rIns="50800" bIns="50800" rtlCol="0" anchor="ctr"/>
             <a:lstStyle/>
             <a:p>
               <a:pPr algn="ctr">
@@ -7024,18 +8161,19 @@
                   <a:spcPts val="2659"/>
                 </a:lnSpc>
               </a:pPr>
+              <a:endParaRPr/>
             </a:p>
           </p:txBody>
         </p:sp>
       </p:grpSp>
       <p:sp>
         <p:nvSpPr>
-          <p:cNvPr name="TextBox 9" id="9"/>
-          <p:cNvSpPr txBox="true"/>
+          <p:cNvPr id="9" name="TextBox 9"/>
+          <p:cNvSpPr txBox="1"/>
           <p:nvPr/>
         </p:nvSpPr>
         <p:spPr>
-          <a:xfrm rot="0">
+          <a:xfrm>
             <a:off x="3264314" y="670560"/>
             <a:ext cx="11571908" cy="1574164"/>
           </a:xfrm>
@@ -7044,7 +8182,7 @@
           </a:prstGeom>
         </p:spPr>
         <p:txBody>
-          <a:bodyPr anchor="t" rtlCol="false" tIns="0" lIns="0" bIns="0" rIns="0">
+          <a:bodyPr lIns="0" tIns="0" rIns="0" bIns="0" rtlCol="0" anchor="t">
             <a:spAutoFit/>
           </a:bodyPr>
           <a:lstStyle/>
@@ -7055,7 +8193,7 @@
               </a:lnSpc>
             </a:pPr>
             <a:r>
-              <a:rPr lang="en-US" sz="9200" b="true">
+              <a:rPr lang="en-US" sz="9200" b="1">
                 <a:solidFill>
                   <a:srgbClr val="000000"/>
                 </a:solidFill>
@@ -7071,12 +8209,12 @@
       </p:sp>
       <p:grpSp>
         <p:nvGrpSpPr>
-          <p:cNvPr name="Group 10" id="10"/>
+          <p:cNvPr id="10" name="Group 10"/>
           <p:cNvGrpSpPr/>
           <p:nvPr/>
         </p:nvGrpSpPr>
         <p:grpSpPr>
-          <a:xfrm rot="0">
+          <a:xfrm>
             <a:off x="1632157" y="775335"/>
             <a:ext cx="1298782" cy="1294129"/>
             <a:chOff x="0" y="0"/>
@@ -7085,12 +8223,12 @@
         </p:grpSpPr>
         <p:sp>
           <p:nvSpPr>
-            <p:cNvPr name="Freeform 11" id="11"/>
+            <p:cNvPr id="11" name="Freeform 11"/>
             <p:cNvSpPr/>
             <p:nvPr/>
           </p:nvSpPr>
           <p:spPr>
-            <a:xfrm flipH="false" flipV="false" rot="0">
+            <a:xfrm>
               <a:off x="0" y="0"/>
               <a:ext cx="342066" cy="340841"/>
             </a:xfrm>
@@ -7099,9 +8237,9 @@
               <a:gdLst/>
               <a:ahLst/>
               <a:cxnLst/>
-              <a:rect r="r" b="b" t="t" l="l"/>
+              <a:rect l="l" t="t" r="r" b="b"/>
               <a:pathLst>
-                <a:path h="340841" w="342066">
+                <a:path w="342066" h="340841">
                   <a:moveTo>
                     <a:pt x="0" y="0"/>
                   </a:moveTo>
@@ -7122,11 +8260,18 @@
               <a:srgbClr val="FFCE6D"/>
             </a:solidFill>
           </p:spPr>
+          <p:txBody>
+            <a:bodyPr/>
+            <a:lstStyle/>
+            <a:p>
+              <a:endParaRPr lang="es-CR"/>
+            </a:p>
+          </p:txBody>
         </p:sp>
         <p:sp>
           <p:nvSpPr>
-            <p:cNvPr name="TextBox 12" id="12"/>
-            <p:cNvSpPr txBox="true"/>
+            <p:cNvPr id="12" name="TextBox 12"/>
+            <p:cNvSpPr txBox="1"/>
             <p:nvPr/>
           </p:nvSpPr>
           <p:spPr>
@@ -7139,7 +8284,7 @@
             </a:prstGeom>
           </p:spPr>
           <p:txBody>
-            <a:bodyPr anchor="ctr" rtlCol="false" tIns="50800" lIns="50800" bIns="50800" rIns="50800"/>
+            <a:bodyPr lIns="50800" tIns="50800" rIns="50800" bIns="50800" rtlCol="0" anchor="ctr"/>
             <a:lstStyle/>
             <a:p>
               <a:pPr algn="ctr">
@@ -7147,18 +8292,19 @@
                   <a:spcPts val="2659"/>
                 </a:lnSpc>
               </a:pPr>
+              <a:endParaRPr/>
             </a:p>
           </p:txBody>
         </p:sp>
       </p:grpSp>
       <p:grpSp>
         <p:nvGrpSpPr>
-          <p:cNvPr name="Group 13" id="13"/>
+          <p:cNvPr id="13" name="Group 13"/>
           <p:cNvGrpSpPr/>
           <p:nvPr/>
         </p:nvGrpSpPr>
         <p:grpSpPr>
-          <a:xfrm rot="0">
+          <a:xfrm>
             <a:off x="0" y="775335"/>
             <a:ext cx="1298782" cy="1294129"/>
             <a:chOff x="0" y="0"/>
@@ -7167,12 +8313,12 @@
         </p:grpSpPr>
         <p:sp>
           <p:nvSpPr>
-            <p:cNvPr name="Freeform 14" id="14"/>
+            <p:cNvPr id="14" name="Freeform 14"/>
             <p:cNvSpPr/>
             <p:nvPr/>
           </p:nvSpPr>
           <p:spPr>
-            <a:xfrm flipH="false" flipV="false" rot="0">
+            <a:xfrm>
               <a:off x="0" y="0"/>
               <a:ext cx="342066" cy="340841"/>
             </a:xfrm>
@@ -7181,9 +8327,9 @@
               <a:gdLst/>
               <a:ahLst/>
               <a:cxnLst/>
-              <a:rect r="r" b="b" t="t" l="l"/>
+              <a:rect l="l" t="t" r="r" b="b"/>
               <a:pathLst>
-                <a:path h="340841" w="342066">
+                <a:path w="342066" h="340841">
                   <a:moveTo>
                     <a:pt x="0" y="0"/>
                   </a:moveTo>
@@ -7204,11 +8350,18 @@
               <a:srgbClr val="FFCE6D"/>
             </a:solidFill>
           </p:spPr>
+          <p:txBody>
+            <a:bodyPr/>
+            <a:lstStyle/>
+            <a:p>
+              <a:endParaRPr lang="es-CR"/>
+            </a:p>
+          </p:txBody>
         </p:sp>
         <p:sp>
           <p:nvSpPr>
-            <p:cNvPr name="TextBox 15" id="15"/>
-            <p:cNvSpPr txBox="true"/>
+            <p:cNvPr id="15" name="TextBox 15"/>
+            <p:cNvSpPr txBox="1"/>
             <p:nvPr/>
           </p:nvSpPr>
           <p:spPr>
@@ -7221,7 +8374,7 @@
             </a:prstGeom>
           </p:spPr>
           <p:txBody>
-            <a:bodyPr anchor="ctr" rtlCol="false" tIns="50800" lIns="50800" bIns="50800" rIns="50800"/>
+            <a:bodyPr lIns="50800" tIns="50800" rIns="50800" bIns="50800" rtlCol="0" anchor="ctr"/>
             <a:lstStyle/>
             <a:p>
               <a:pPr algn="ctr">
@@ -7229,6 +8382,7 @@
                   <a:spcPts val="2659"/>
                 </a:lnSpc>
               </a:pPr>
+              <a:endParaRPr/>
             </a:p>
           </p:txBody>
         </p:sp>
@@ -7242,13 +8396,14 @@
 </file>
 
 <file path=ppt/slides/slide9.xml><?xml version="1.0" encoding="utf-8"?>
-<p:sld xmlns:p="http://schemas.openxmlformats.org/presentationml/2006/main" xmlns:a="http://schemas.openxmlformats.org/drawingml/2006/main">
+<p:sld xmlns:a="http://schemas.openxmlformats.org/drawingml/2006/main" xmlns:r="http://schemas.openxmlformats.org/officeDocument/2006/relationships" xmlns:p="http://schemas.openxmlformats.org/presentationml/2006/main">
   <p:cSld>
     <p:bg>
       <p:bgPr>
         <a:solidFill>
           <a:srgbClr val="61A6AB"/>
         </a:solidFill>
+        <a:effectLst/>
       </p:bgPr>
     </p:bg>
     <p:spTree>
@@ -7267,12 +8422,12 @@
       </p:grpSpPr>
       <p:sp>
         <p:nvSpPr>
-          <p:cNvPr name="TextBox 2" id="2"/>
-          <p:cNvSpPr txBox="true"/>
+          <p:cNvPr id="2" name="TextBox 2"/>
+          <p:cNvSpPr txBox="1"/>
           <p:nvPr/>
         </p:nvSpPr>
         <p:spPr>
-          <a:xfrm rot="0">
+          <a:xfrm>
             <a:off x="1658589" y="2182867"/>
             <a:ext cx="14970823" cy="5321191"/>
           </a:xfrm>
@@ -7281,7 +8436,7 @@
           </a:prstGeom>
         </p:spPr>
         <p:txBody>
-          <a:bodyPr anchor="t" rtlCol="false" tIns="0" lIns="0" bIns="0" rIns="0">
+          <a:bodyPr lIns="0" tIns="0" rIns="0" bIns="0" rtlCol="0" anchor="t">
             <a:spAutoFit/>
           </a:bodyPr>
           <a:lstStyle/>
@@ -7292,7 +8447,7 @@
               </a:lnSpc>
             </a:pPr>
             <a:r>
-              <a:rPr lang="en-US" sz="30964" b="true">
+              <a:rPr lang="en-US" sz="30964" b="1">
                 <a:solidFill>
                   <a:srgbClr val="000000"/>
                 </a:solidFill>
